--- a/Проект по Samsung.pptx
+++ b/Проект по Samsung.pptx
@@ -7,12 +7,13 @@
   <p:sldIdLst>
     <p:sldId id="256" r:id="rId2"/>
     <p:sldId id="259" r:id="rId3"/>
-    <p:sldId id="257" r:id="rId4"/>
-    <p:sldId id="258" r:id="rId5"/>
-    <p:sldId id="260" r:id="rId6"/>
-    <p:sldId id="261" r:id="rId7"/>
-    <p:sldId id="262" r:id="rId8"/>
-    <p:sldId id="263" r:id="rId9"/>
+    <p:sldId id="264" r:id="rId4"/>
+    <p:sldId id="257" r:id="rId5"/>
+    <p:sldId id="258" r:id="rId6"/>
+    <p:sldId id="260" r:id="rId7"/>
+    <p:sldId id="261" r:id="rId8"/>
+    <p:sldId id="262" r:id="rId9"/>
+    <p:sldId id="263" r:id="rId10"/>
   </p:sldIdLst>
   <p:sldSz cx="12192000" cy="6858000"/>
   <p:notesSz cx="6858000" cy="9144000"/>
@@ -111,6 +112,11 @@
       </a:defRPr>
     </a:lvl9pPr>
   </p:defaultTextStyle>
+  <p:extLst>
+    <p:ext uri="{EFAFB233-063F-42B5-8137-9DF3F51BA10A}">
+      <p15:sldGuideLst xmlns:p15="http://schemas.microsoft.com/office/powerpoint/2012/main"/>
+    </p:ext>
+  </p:extLst>
 </p:presentation>
 </file>
 
@@ -450,7 +456,7 @@
             <a:fld id="{5923F103-BC34-4FE4-A40E-EDDEECFDA5D0}" type="datetimeFigureOut">
               <a:rPr lang="en-US" smtClean="0"/>
               <a:pPr/>
-              <a:t>5/12/2021</a:t>
+              <a:t>5/13/2021</a:t>
             </a:fld>
             <a:endParaRPr lang="en-US" dirty="0"/>
           </a:p>
@@ -1544,7 +1550,7 @@
           <a:p>
             <a:fld id="{923A1CC3-2375-41D4-9E03-427CAF2A4C1A}" type="datetimeFigureOut">
               <a:rPr lang="en-US" smtClean="0"/>
-              <a:t>5/12/2021</a:t>
+              <a:t>5/13/2021</a:t>
             </a:fld>
             <a:endParaRPr lang="en-US" dirty="0"/>
           </a:p>
@@ -2530,7 +2536,7 @@
           <a:p>
             <a:fld id="{AFF16868-8199-4C2C-A5B1-63AEE139F88E}" type="datetimeFigureOut">
               <a:rPr lang="en-US" smtClean="0"/>
-              <a:t>5/12/2021</a:t>
+              <a:t>5/13/2021</a:t>
             </a:fld>
             <a:endParaRPr lang="en-US" dirty="0"/>
           </a:p>
@@ -3670,7 +3676,7 @@
           <a:p>
             <a:fld id="{AAD9FF7F-6988-44CC-821B-644E70CD2F73}" type="datetimeFigureOut">
               <a:rPr lang="en-US" smtClean="0"/>
-              <a:t>5/12/2021</a:t>
+              <a:t>5/13/2021</a:t>
             </a:fld>
             <a:endParaRPr lang="en-US" dirty="0"/>
           </a:p>
@@ -4709,7 +4715,7 @@
           <a:p>
             <a:fld id="{5C12C299-16B2-4475-990D-751901EACC14}" type="datetimeFigureOut">
               <a:rPr lang="en-US" smtClean="0"/>
-              <a:t>5/12/2021</a:t>
+              <a:t>5/13/2021</a:t>
             </a:fld>
             <a:endParaRPr lang="en-US" dirty="0"/>
           </a:p>
@@ -5375,7 +5381,7 @@
           <a:p>
             <a:fld id="{9FE86839-B9D8-4651-8783-F325ECE74E65}" type="datetimeFigureOut">
               <a:rPr lang="en-US" smtClean="0"/>
-              <a:t>5/12/2021</a:t>
+              <a:t>5/13/2021</a:t>
             </a:fld>
             <a:endParaRPr lang="en-US" dirty="0"/>
           </a:p>
@@ -6242,7 +6248,7 @@
           <a:p>
             <a:fld id="{FD484F64-32F6-45C5-931F-ADC1662401D0}" type="datetimeFigureOut">
               <a:rPr lang="en-US" smtClean="0"/>
-              <a:t>5/12/2021</a:t>
+              <a:t>5/13/2021</a:t>
             </a:fld>
             <a:endParaRPr lang="en-US" dirty="0"/>
           </a:p>
@@ -6438,7 +6444,7 @@
           <a:p>
             <a:fld id="{53086D93-FCAC-47E0-A2EE-787E62CA814C}" type="datetimeFigureOut">
               <a:rPr lang="en-US" smtClean="0"/>
-              <a:t>5/12/2021</a:t>
+              <a:t>5/13/2021</a:t>
             </a:fld>
             <a:endParaRPr lang="en-US" dirty="0"/>
           </a:p>
@@ -7416,7 +7422,7 @@
           <a:p>
             <a:fld id="{CDA879A6-0FD0-4734-A311-86BFCA472E6E}" type="datetimeFigureOut">
               <a:rPr lang="en-US" smtClean="0"/>
-              <a:t>5/12/2021</a:t>
+              <a:t>5/13/2021</a:t>
             </a:fld>
             <a:endParaRPr lang="en-US" dirty="0"/>
           </a:p>
@@ -7633,7 +7639,7 @@
           <a:p>
             <a:fld id="{19C9CA7B-DFD4-44B5-8C60-D14B8CD1FB59}" type="datetimeFigureOut">
               <a:rPr lang="en-US" smtClean="0"/>
-              <a:t>5/12/2021</a:t>
+              <a:t>5/13/2021</a:t>
             </a:fld>
             <a:endParaRPr lang="en-US" dirty="0"/>
           </a:p>
@@ -8673,7 +8679,7 @@
           <a:p>
             <a:fld id="{F34E6425-0181-43F2-84FC-787E803FD2F8}" type="datetimeFigureOut">
               <a:rPr lang="en-US" smtClean="0"/>
-              <a:t>5/12/2021</a:t>
+              <a:t>5/13/2021</a:t>
             </a:fld>
             <a:endParaRPr lang="en-US" dirty="0"/>
           </a:p>
@@ -8951,7 +8957,7 @@
           <a:p>
             <a:fld id="{3BDB8791-F1B0-41E7-B7FD-A781E65C4266}" type="datetimeFigureOut">
               <a:rPr lang="en-US" smtClean="0"/>
-              <a:t>5/12/2021</a:t>
+              <a:t>5/13/2021</a:t>
             </a:fld>
             <a:endParaRPr lang="en-US" dirty="0"/>
           </a:p>
@@ -9367,7 +9373,7 @@
           <a:p>
             <a:fld id="{5FDD63B2-E120-4ED8-B27B-C685F510A5FE}" type="datetimeFigureOut">
               <a:rPr lang="en-US" smtClean="0"/>
-              <a:t>5/12/2021</a:t>
+              <a:t>5/13/2021</a:t>
             </a:fld>
             <a:endParaRPr lang="en-US" dirty="0"/>
           </a:p>
@@ -9500,7 +9506,7 @@
           <a:p>
             <a:fld id="{7AA18ACC-A947-437B-A130-35BD54FDF1E9}" type="datetimeFigureOut">
               <a:rPr lang="en-US" smtClean="0"/>
-              <a:t>5/12/2021</a:t>
+              <a:t>5/13/2021</a:t>
             </a:fld>
             <a:endParaRPr lang="en-US" dirty="0"/>
           </a:p>
@@ -9601,7 +9607,7 @@
           <a:p>
             <a:fld id="{7C8D7E02-BCB8-4D50-A234-369438C08659}" type="datetimeFigureOut">
               <a:rPr lang="en-US" smtClean="0"/>
-              <a:t>5/12/2021</a:t>
+              <a:t>5/13/2021</a:t>
             </a:fld>
             <a:endParaRPr lang="en-US" dirty="0"/>
           </a:p>
@@ -10688,7 +10694,7 @@
           <a:p>
             <a:fld id="{76E86A4C-8E40-4F87-A4F0-01A0687C5742}" type="datetimeFigureOut">
               <a:rPr lang="en-US" smtClean="0"/>
-              <a:t>5/12/2021</a:t>
+              <a:t>5/13/2021</a:t>
             </a:fld>
             <a:endParaRPr lang="en-US" dirty="0"/>
           </a:p>
@@ -11802,7 +11808,7 @@
           <a:p>
             <a:fld id="{35E72C73-2D91-4E12-BA25-F0AA0C03599B}" type="datetimeFigureOut">
               <a:rPr lang="en-US" smtClean="0"/>
-              <a:t>5/12/2021</a:t>
+              <a:t>5/13/2021</a:t>
             </a:fld>
             <a:endParaRPr lang="en-US" dirty="0"/>
           </a:p>
@@ -12805,7 +12811,7 @@
           <a:p>
             <a:fld id="{2BE451C3-0FF4-47C4-B829-773ADF60F88C}" type="datetimeFigureOut">
               <a:rPr lang="en-US" smtClean="0"/>
-              <a:t>5/12/2021</a:t>
+              <a:t>5/13/2021</a:t>
             </a:fld>
             <a:endParaRPr lang="en-US" dirty="0"/>
           </a:p>
@@ -14206,13 +14212,13 @@
   <p:clrMapOvr>
     <a:masterClrMapping/>
   </p:clrMapOvr>
-  <mc:AlternateContent xmlns:mc="http://schemas.openxmlformats.org/markup-compatibility/2006">
-    <mc:Choice xmlns:p15="http://schemas.microsoft.com/office/powerpoint/2012/main" Requires="p15">
+  <mc:AlternateContent xmlns:mc="http://schemas.openxmlformats.org/markup-compatibility/2006" xmlns:p15="http://schemas.microsoft.com/office/powerpoint/2012/main">
+    <mc:Choice Requires="p15">
       <p:transition xmlns:p14="http://schemas.microsoft.com/office/powerpoint/2010/main" spd="slow" p14:dur="1250">
         <p15:prstTrans prst="pageCurlDouble"/>
       </p:transition>
     </mc:Choice>
-    <mc:Fallback>
+    <mc:Fallback xmlns="">
       <p:transition spd="slow">
         <p:fade/>
       </p:transition>
@@ -14529,6 +14535,194 @@
                 </a:solidFill>
                 <a:latin typeface="Verdana" panose="020B0604030504040204" pitchFamily="34" charset="0"/>
                 <a:ea typeface="Verdana" panose="020B0604030504040204" pitchFamily="34" charset="0"/>
+              </a:rPr>
+              <a:t>Аналоги нашей работы</a:t>
+            </a:r>
+            <a:endParaRPr lang="ru-RU" dirty="0">
+              <a:solidFill>
+                <a:schemeClr val="accent6">
+                  <a:lumMod val="60000"/>
+                  <a:lumOff val="40000"/>
+                </a:schemeClr>
+              </a:solidFill>
+              <a:latin typeface="Verdana" panose="020B0604030504040204" pitchFamily="34" charset="0"/>
+              <a:ea typeface="Verdana" panose="020B0604030504040204" pitchFamily="34" charset="0"/>
+            </a:endParaRPr>
+          </a:p>
+        </p:txBody>
+      </p:sp>
+      <p:sp>
+        <p:nvSpPr>
+          <p:cNvPr id="3" name="Объект 2"/>
+          <p:cNvSpPr>
+            <a:spLocks noGrp="1"/>
+          </p:cNvSpPr>
+          <p:nvPr>
+            <p:ph idx="1"/>
+          </p:nvPr>
+        </p:nvSpPr>
+        <p:spPr/>
+        <p:txBody>
+          <a:bodyPr/>
+          <a:lstStyle/>
+          <a:p>
+            <a:endParaRPr lang="ru-RU"/>
+          </a:p>
+        </p:txBody>
+      </p:sp>
+    </p:spTree>
+    <p:extLst>
+      <p:ext uri="{BB962C8B-B14F-4D97-AF65-F5344CB8AC3E}">
+        <p14:creationId xmlns:p14="http://schemas.microsoft.com/office/powerpoint/2010/main" val="2177937005"/>
+      </p:ext>
+    </p:extLst>
+  </p:cSld>
+  <p:clrMapOvr>
+    <a:masterClrMapping/>
+  </p:clrMapOvr>
+  <mc:AlternateContent xmlns:mc="http://schemas.openxmlformats.org/markup-compatibility/2006" xmlns:p15="http://schemas.microsoft.com/office/powerpoint/2012/main">
+    <mc:Choice Requires="p15">
+      <p:transition xmlns:p14="http://schemas.microsoft.com/office/powerpoint/2010/main" spd="slow" p14:dur="1250">
+        <p15:prstTrans prst="pageCurlDouble"/>
+      </p:transition>
+    </mc:Choice>
+    <mc:Fallback xmlns="">
+      <p:transition spd="slow">
+        <p:fade/>
+      </p:transition>
+    </mc:Fallback>
+  </mc:AlternateContent>
+  <p:timing>
+    <p:tnLst>
+      <p:par>
+        <p:cTn id="1" dur="indefinite" restart="never" nodeType="tmRoot">
+          <p:childTnLst>
+            <p:seq concurrent="1" nextAc="seek">
+              <p:cTn id="2" dur="indefinite" nodeType="mainSeq">
+                <p:childTnLst>
+                  <p:par>
+                    <p:cTn id="3" fill="hold">
+                      <p:stCondLst>
+                        <p:cond delay="indefinite"/>
+                      </p:stCondLst>
+                      <p:childTnLst>
+                        <p:par>
+                          <p:cTn id="4" fill="hold">
+                            <p:stCondLst>
+                              <p:cond delay="0"/>
+                            </p:stCondLst>
+                            <p:childTnLst>
+                              <p:par>
+                                <p:cTn id="5" presetID="22" presetClass="entr" presetSubtype="4" fill="hold" grpId="0" nodeType="clickEffect">
+                                  <p:stCondLst>
+                                    <p:cond delay="0"/>
+                                  </p:stCondLst>
+                                  <p:childTnLst>
+                                    <p:set>
+                                      <p:cBhvr>
+                                        <p:cTn id="6" dur="1" fill="hold">
+                                          <p:stCondLst>
+                                            <p:cond delay="0"/>
+                                          </p:stCondLst>
+                                        </p:cTn>
+                                        <p:tgtEl>
+                                          <p:spTgt spid="2"/>
+                                        </p:tgtEl>
+                                        <p:attrNameLst>
+                                          <p:attrName>style.visibility</p:attrName>
+                                        </p:attrNameLst>
+                                      </p:cBhvr>
+                                      <p:to>
+                                        <p:strVal val="visible"/>
+                                      </p:to>
+                                    </p:set>
+                                    <p:animEffect transition="in" filter="wipe(down)">
+                                      <p:cBhvr>
+                                        <p:cTn id="7" dur="500"/>
+                                        <p:tgtEl>
+                                          <p:spTgt spid="2"/>
+                                        </p:tgtEl>
+                                      </p:cBhvr>
+                                    </p:animEffect>
+                                  </p:childTnLst>
+                                </p:cTn>
+                              </p:par>
+                            </p:childTnLst>
+                          </p:cTn>
+                        </p:par>
+                      </p:childTnLst>
+                    </p:cTn>
+                  </p:par>
+                </p:childTnLst>
+              </p:cTn>
+              <p:prevCondLst>
+                <p:cond evt="onPrev" delay="0">
+                  <p:tgtEl>
+                    <p:sldTgt/>
+                  </p:tgtEl>
+                </p:cond>
+              </p:prevCondLst>
+              <p:nextCondLst>
+                <p:cond evt="onNext" delay="0">
+                  <p:tgtEl>
+                    <p:sldTgt/>
+                  </p:tgtEl>
+                </p:cond>
+              </p:nextCondLst>
+            </p:seq>
+          </p:childTnLst>
+        </p:cTn>
+      </p:par>
+    </p:tnLst>
+    <p:bldLst>
+      <p:bldP spid="2" grpId="0"/>
+    </p:bldLst>
+  </p:timing>
+</p:sld>
+</file>
+
+<file path=ppt/slides/slide4.xml><?xml version="1.0" encoding="utf-8"?>
+<p:sld xmlns:a="http://schemas.openxmlformats.org/drawingml/2006/main" xmlns:r="http://schemas.openxmlformats.org/officeDocument/2006/relationships" xmlns:p="http://schemas.openxmlformats.org/presentationml/2006/main">
+  <p:cSld>
+    <p:spTree>
+      <p:nvGrpSpPr>
+        <p:cNvPr id="1" name=""/>
+        <p:cNvGrpSpPr/>
+        <p:nvPr/>
+      </p:nvGrpSpPr>
+      <p:grpSpPr>
+        <a:xfrm>
+          <a:off x="0" y="0"/>
+          <a:ext cx="0" cy="0"/>
+          <a:chOff x="0" y="0"/>
+          <a:chExt cx="0" cy="0"/>
+        </a:xfrm>
+      </p:grpSpPr>
+      <p:sp>
+        <p:nvSpPr>
+          <p:cNvPr id="2" name="Заголовок 1"/>
+          <p:cNvSpPr>
+            <a:spLocks noGrp="1"/>
+          </p:cNvSpPr>
+          <p:nvPr>
+            <p:ph type="title"/>
+          </p:nvPr>
+        </p:nvSpPr>
+        <p:spPr/>
+        <p:txBody>
+          <a:bodyPr/>
+          <a:lstStyle/>
+          <a:p>
+            <a:r>
+              <a:rPr lang="ru-RU" dirty="0" smtClean="0">
+                <a:solidFill>
+                  <a:schemeClr val="accent6">
+                    <a:lumMod val="60000"/>
+                    <a:lumOff val="40000"/>
+                  </a:schemeClr>
+                </a:solidFill>
+                <a:latin typeface="Verdana" panose="020B0604030504040204" pitchFamily="34" charset="0"/>
+                <a:ea typeface="Verdana" panose="020B0604030504040204" pitchFamily="34" charset="0"/>
                 <a:cs typeface="Times New Roman" panose="02020603050405020304" pitchFamily="18" charset="0"/>
               </a:rPr>
               <a:t>Реализация и технологии</a:t>
@@ -14805,13 +14999,13 @@
   <p:clrMapOvr>
     <a:masterClrMapping/>
   </p:clrMapOvr>
-  <mc:AlternateContent xmlns:mc="http://schemas.openxmlformats.org/markup-compatibility/2006">
-    <mc:Choice xmlns:p15="http://schemas.microsoft.com/office/powerpoint/2012/main" Requires="p15">
+  <mc:AlternateContent xmlns:mc="http://schemas.openxmlformats.org/markup-compatibility/2006" xmlns:p15="http://schemas.microsoft.com/office/powerpoint/2012/main">
+    <mc:Choice Requires="p15">
       <p:transition xmlns:p14="http://schemas.microsoft.com/office/powerpoint/2010/main" spd="slow" p14:dur="1250">
         <p15:prstTrans prst="pageCurlDouble"/>
       </p:transition>
     </mc:Choice>
-    <mc:Fallback>
+    <mc:Fallback xmlns="">
       <p:transition spd="slow">
         <p:fade/>
       </p:transition>
@@ -15382,7 +15576,7 @@
 </p:sld>
 </file>
 
-<file path=ppt/slides/slide4.xml><?xml version="1.0" encoding="utf-8"?>
+<file path=ppt/slides/slide5.xml><?xml version="1.0" encoding="utf-8"?>
 <p:sld xmlns:a="http://schemas.openxmlformats.org/drawingml/2006/main" xmlns:r="http://schemas.openxmlformats.org/officeDocument/2006/relationships" xmlns:p="http://schemas.openxmlformats.org/presentationml/2006/main">
   <p:cSld>
     <p:spTree>
@@ -15640,13 +15834,13 @@
   <p:clrMapOvr>
     <a:masterClrMapping/>
   </p:clrMapOvr>
-  <mc:AlternateContent xmlns:mc="http://schemas.openxmlformats.org/markup-compatibility/2006">
-    <mc:Choice xmlns:p15="http://schemas.microsoft.com/office/powerpoint/2012/main" Requires="p15">
+  <mc:AlternateContent xmlns:mc="http://schemas.openxmlformats.org/markup-compatibility/2006" xmlns:p15="http://schemas.microsoft.com/office/powerpoint/2012/main">
+    <mc:Choice Requires="p15">
       <p:transition xmlns:p14="http://schemas.microsoft.com/office/powerpoint/2010/main" spd="slow" p14:dur="1250">
         <p15:prstTrans prst="pageCurlDouble"/>
       </p:transition>
     </mc:Choice>
-    <mc:Fallback>
+    <mc:Fallback xmlns="">
       <p:transition spd="slow">
         <p:fade/>
       </p:transition>
@@ -15957,7 +16151,7 @@
 </p:sld>
 </file>
 
-<file path=ppt/slides/slide5.xml><?xml version="1.0" encoding="utf-8"?>
+<file path=ppt/slides/slide6.xml><?xml version="1.0" encoding="utf-8"?>
 <p:sld xmlns:a="http://schemas.openxmlformats.org/drawingml/2006/main" xmlns:r="http://schemas.openxmlformats.org/officeDocument/2006/relationships" xmlns:p="http://schemas.openxmlformats.org/presentationml/2006/main">
   <p:cSld>
     <p:spTree>
@@ -16054,25 +16248,49 @@
           </a:p>
         </p:txBody>
       </p:sp>
-      <p:sp>
-        <p:nvSpPr>
-          <p:cNvPr id="3" name="Объект 2"/>
-          <p:cNvSpPr>
-            <a:spLocks noGrp="1"/>
-          </p:cNvSpPr>
+      <p:pic>
+        <p:nvPicPr>
+          <p:cNvPr id="1026" name="Picture 2" descr="https://sun9-29.userapi.com/impg/sp2GMVMtFu5_pUboeODLJxzePRg8CcCziuxksA/dU83KQ5HrF0.jpg?size=1803x979&amp;quality=96&amp;sign=54a4c1f89ad3d4a3d591879ba5c9f411&amp;type=album"/>
+          <p:cNvPicPr>
+            <a:picLocks noGrp="1" noChangeAspect="1" noChangeArrowheads="1"/>
+          </p:cNvPicPr>
           <p:nvPr>
             <p:ph idx="1"/>
           </p:nvPr>
-        </p:nvSpPr>
-        <p:spPr/>
-        <p:txBody>
-          <a:bodyPr/>
-          <a:lstStyle/>
-          <a:p>
-            <a:endParaRPr lang="ru-RU"/>
-          </a:p>
-        </p:txBody>
-      </p:sp>
+        </p:nvPicPr>
+        <p:blipFill>
+          <a:blip r:embed="rId2">
+            <a:extLst>
+              <a:ext uri="{28A0092B-C50C-407E-A947-70E740481C1C}">
+                <a14:useLocalDpi xmlns:a14="http://schemas.microsoft.com/office/drawing/2010/main" val="0"/>
+              </a:ext>
+            </a:extLst>
+          </a:blip>
+          <a:srcRect/>
+          <a:stretch>
+            <a:fillRect/>
+          </a:stretch>
+        </p:blipFill>
+        <p:spPr bwMode="auto">
+          <a:xfrm>
+            <a:off x="1672655" y="2345886"/>
+            <a:ext cx="8962394" cy="3980780"/>
+          </a:xfrm>
+          <a:prstGeom prst="rect">
+            <a:avLst/>
+          </a:prstGeom>
+          <a:noFill/>
+          <a:extLst>
+            <a:ext uri="{909E8E84-426E-40DD-AFC4-6F175D3DCCD1}">
+              <a14:hiddenFill xmlns:a14="http://schemas.microsoft.com/office/drawing/2010/main">
+                <a:solidFill>
+                  <a:srgbClr val="FFFFFF"/>
+                </a:solidFill>
+              </a14:hiddenFill>
+            </a:ext>
+          </a:extLst>
+        </p:spPr>
+      </p:pic>
     </p:spTree>
     <p:extLst>
       <p:ext uri="{BB962C8B-B14F-4D97-AF65-F5344CB8AC3E}">
@@ -16083,201 +16301,13 @@
   <p:clrMapOvr>
     <a:masterClrMapping/>
   </p:clrMapOvr>
-  <mc:AlternateContent xmlns:mc="http://schemas.openxmlformats.org/markup-compatibility/2006">
-    <mc:Choice xmlns:p15="http://schemas.microsoft.com/office/powerpoint/2012/main" Requires="p15">
+  <mc:AlternateContent xmlns:mc="http://schemas.openxmlformats.org/markup-compatibility/2006" xmlns:p15="http://schemas.microsoft.com/office/powerpoint/2012/main">
+    <mc:Choice Requires="p15">
       <p:transition xmlns:p14="http://schemas.microsoft.com/office/powerpoint/2010/main" spd="slow" p14:dur="1250">
         <p15:prstTrans prst="pageCurlDouble"/>
       </p:transition>
     </mc:Choice>
-    <mc:Fallback>
-      <p:transition spd="slow">
-        <p:fade/>
-      </p:transition>
-    </mc:Fallback>
-  </mc:AlternateContent>
-  <p:timing>
-    <p:tnLst>
-      <p:par>
-        <p:cTn id="1" dur="indefinite" restart="never" nodeType="tmRoot">
-          <p:childTnLst>
-            <p:seq concurrent="1" nextAc="seek">
-              <p:cTn id="2" dur="indefinite" nodeType="mainSeq">
-                <p:childTnLst>
-                  <p:par>
-                    <p:cTn id="3" fill="hold">
-                      <p:stCondLst>
-                        <p:cond delay="indefinite"/>
-                      </p:stCondLst>
-                      <p:childTnLst>
-                        <p:par>
-                          <p:cTn id="4" fill="hold">
-                            <p:stCondLst>
-                              <p:cond delay="0"/>
-                            </p:stCondLst>
-                            <p:childTnLst>
-                              <p:par>
-                                <p:cTn id="5" presetID="22" presetClass="entr" presetSubtype="4" fill="hold" grpId="0" nodeType="clickEffect">
-                                  <p:stCondLst>
-                                    <p:cond delay="0"/>
-                                  </p:stCondLst>
-                                  <p:childTnLst>
-                                    <p:set>
-                                      <p:cBhvr>
-                                        <p:cTn id="6" dur="1" fill="hold">
-                                          <p:stCondLst>
-                                            <p:cond delay="0"/>
-                                          </p:stCondLst>
-                                        </p:cTn>
-                                        <p:tgtEl>
-                                          <p:spTgt spid="2"/>
-                                        </p:tgtEl>
-                                        <p:attrNameLst>
-                                          <p:attrName>style.visibility</p:attrName>
-                                        </p:attrNameLst>
-                                      </p:cBhvr>
-                                      <p:to>
-                                        <p:strVal val="visible"/>
-                                      </p:to>
-                                    </p:set>
-                                    <p:animEffect transition="in" filter="wipe(down)">
-                                      <p:cBhvr>
-                                        <p:cTn id="7" dur="500"/>
-                                        <p:tgtEl>
-                                          <p:spTgt spid="2"/>
-                                        </p:tgtEl>
-                                      </p:cBhvr>
-                                    </p:animEffect>
-                                  </p:childTnLst>
-                                </p:cTn>
-                              </p:par>
-                            </p:childTnLst>
-                          </p:cTn>
-                        </p:par>
-                      </p:childTnLst>
-                    </p:cTn>
-                  </p:par>
-                </p:childTnLst>
-              </p:cTn>
-              <p:prevCondLst>
-                <p:cond evt="onPrev" delay="0">
-                  <p:tgtEl>
-                    <p:sldTgt/>
-                  </p:tgtEl>
-                </p:cond>
-              </p:prevCondLst>
-              <p:nextCondLst>
-                <p:cond evt="onNext" delay="0">
-                  <p:tgtEl>
-                    <p:sldTgt/>
-                  </p:tgtEl>
-                </p:cond>
-              </p:nextCondLst>
-            </p:seq>
-          </p:childTnLst>
-        </p:cTn>
-      </p:par>
-    </p:tnLst>
-    <p:bldLst>
-      <p:bldP spid="2" grpId="0"/>
-    </p:bldLst>
-  </p:timing>
-</p:sld>
-</file>
-
-<file path=ppt/slides/slide6.xml><?xml version="1.0" encoding="utf-8"?>
-<p:sld xmlns:a="http://schemas.openxmlformats.org/drawingml/2006/main" xmlns:r="http://schemas.openxmlformats.org/officeDocument/2006/relationships" xmlns:p="http://schemas.openxmlformats.org/presentationml/2006/main">
-  <p:cSld>
-    <p:spTree>
-      <p:nvGrpSpPr>
-        <p:cNvPr id="1" name=""/>
-        <p:cNvGrpSpPr/>
-        <p:nvPr/>
-      </p:nvGrpSpPr>
-      <p:grpSpPr>
-        <a:xfrm>
-          <a:off x="0" y="0"/>
-          <a:ext cx="0" cy="0"/>
-          <a:chOff x="0" y="0"/>
-          <a:chExt cx="0" cy="0"/>
-        </a:xfrm>
-      </p:grpSpPr>
-      <p:sp>
-        <p:nvSpPr>
-          <p:cNvPr id="2" name="Заголовок 1"/>
-          <p:cNvSpPr>
-            <a:spLocks noGrp="1"/>
-          </p:cNvSpPr>
-          <p:nvPr>
-            <p:ph type="title"/>
-          </p:nvPr>
-        </p:nvSpPr>
-        <p:spPr/>
-        <p:txBody>
-          <a:bodyPr/>
-          <a:lstStyle/>
-          <a:p>
-            <a:r>
-              <a:rPr lang="ru-RU" dirty="0" smtClean="0">
-                <a:solidFill>
-                  <a:schemeClr val="accent6">
-                    <a:lumMod val="60000"/>
-                    <a:lumOff val="40000"/>
-                  </a:schemeClr>
-                </a:solidFill>
-                <a:latin typeface="Verdana" panose="020B0604030504040204" pitchFamily="34" charset="0"/>
-                <a:ea typeface="Verdana" panose="020B0604030504040204" pitchFamily="34" charset="0"/>
-              </a:rPr>
-              <a:t>Скриншоты игрового процесса</a:t>
-            </a:r>
-            <a:endParaRPr lang="ru-RU" dirty="0">
-              <a:solidFill>
-                <a:schemeClr val="accent6">
-                  <a:lumMod val="60000"/>
-                  <a:lumOff val="40000"/>
-                </a:schemeClr>
-              </a:solidFill>
-              <a:latin typeface="Verdana" panose="020B0604030504040204" pitchFamily="34" charset="0"/>
-              <a:ea typeface="Verdana" panose="020B0604030504040204" pitchFamily="34" charset="0"/>
-            </a:endParaRPr>
-          </a:p>
-        </p:txBody>
-      </p:sp>
-      <p:sp>
-        <p:nvSpPr>
-          <p:cNvPr id="3" name="Объект 2"/>
-          <p:cNvSpPr>
-            <a:spLocks noGrp="1"/>
-          </p:cNvSpPr>
-          <p:nvPr>
-            <p:ph idx="1"/>
-          </p:nvPr>
-        </p:nvSpPr>
-        <p:spPr/>
-        <p:txBody>
-          <a:bodyPr/>
-          <a:lstStyle/>
-          <a:p>
-            <a:endParaRPr lang="ru-RU" dirty="0"/>
-          </a:p>
-        </p:txBody>
-      </p:sp>
-    </p:spTree>
-    <p:extLst>
-      <p:ext uri="{BB962C8B-B14F-4D97-AF65-F5344CB8AC3E}">
-        <p14:creationId xmlns:p14="http://schemas.microsoft.com/office/powerpoint/2010/main" val="2305813627"/>
-      </p:ext>
-    </p:extLst>
-  </p:cSld>
-  <p:clrMapOvr>
-    <a:masterClrMapping/>
-  </p:clrMapOvr>
-  <mc:AlternateContent xmlns:mc="http://schemas.openxmlformats.org/markup-compatibility/2006">
-    <mc:Choice xmlns:p15="http://schemas.microsoft.com/office/powerpoint/2012/main" Requires="p15">
-      <p:transition xmlns:p14="http://schemas.microsoft.com/office/powerpoint/2010/main" spd="slow" p14:dur="1250">
-        <p15:prstTrans prst="pageCurlDouble"/>
-      </p:transition>
-    </mc:Choice>
-    <mc:Fallback>
+    <mc:Fallback xmlns="">
       <p:transition spd="slow">
         <p:fade/>
       </p:transition>
@@ -16415,7 +16445,7 @@
                 <a:latin typeface="Verdana" panose="020B0604030504040204" pitchFamily="34" charset="0"/>
                 <a:ea typeface="Verdana" panose="020B0604030504040204" pitchFamily="34" charset="0"/>
               </a:rPr>
-              <a:t>Перспективы развития </a:t>
+              <a:t>Скриншоты игрового процесса</a:t>
             </a:r>
             <a:endParaRPr lang="ru-RU" dirty="0">
               <a:solidFill>
@@ -16445,27 +16475,27 @@
           <a:bodyPr/>
           <a:lstStyle/>
           <a:p>
-            <a:endParaRPr lang="ru-RU"/>
+            <a:endParaRPr lang="ru-RU" dirty="0"/>
           </a:p>
         </p:txBody>
       </p:sp>
     </p:spTree>
     <p:extLst>
       <p:ext uri="{BB962C8B-B14F-4D97-AF65-F5344CB8AC3E}">
-        <p14:creationId xmlns:p14="http://schemas.microsoft.com/office/powerpoint/2010/main" val="1296602371"/>
+        <p14:creationId xmlns:p14="http://schemas.microsoft.com/office/powerpoint/2010/main" val="2305813627"/>
       </p:ext>
     </p:extLst>
   </p:cSld>
   <p:clrMapOvr>
     <a:masterClrMapping/>
   </p:clrMapOvr>
-  <mc:AlternateContent xmlns:mc="http://schemas.openxmlformats.org/markup-compatibility/2006">
-    <mc:Choice xmlns:p15="http://schemas.microsoft.com/office/powerpoint/2012/main" Requires="p15">
+  <mc:AlternateContent xmlns:mc="http://schemas.openxmlformats.org/markup-compatibility/2006" xmlns:p15="http://schemas.microsoft.com/office/powerpoint/2012/main">
+    <mc:Choice Requires="p15">
       <p:transition xmlns:p14="http://schemas.microsoft.com/office/powerpoint/2010/main" spd="slow" p14:dur="1250">
         <p15:prstTrans prst="pageCurlDouble"/>
       </p:transition>
     </mc:Choice>
-    <mc:Fallback>
+    <mc:Fallback xmlns="">
       <p:transition spd="slow">
         <p:fade/>
       </p:transition>
@@ -16579,6 +16609,194 @@
       </p:grpSpPr>
       <p:sp>
         <p:nvSpPr>
+          <p:cNvPr id="2" name="Заголовок 1"/>
+          <p:cNvSpPr>
+            <a:spLocks noGrp="1"/>
+          </p:cNvSpPr>
+          <p:nvPr>
+            <p:ph type="title"/>
+          </p:nvPr>
+        </p:nvSpPr>
+        <p:spPr/>
+        <p:txBody>
+          <a:bodyPr/>
+          <a:lstStyle/>
+          <a:p>
+            <a:r>
+              <a:rPr lang="ru-RU" dirty="0" smtClean="0">
+                <a:solidFill>
+                  <a:schemeClr val="accent6">
+                    <a:lumMod val="60000"/>
+                    <a:lumOff val="40000"/>
+                  </a:schemeClr>
+                </a:solidFill>
+                <a:latin typeface="Verdana" panose="020B0604030504040204" pitchFamily="34" charset="0"/>
+                <a:ea typeface="Verdana" panose="020B0604030504040204" pitchFamily="34" charset="0"/>
+              </a:rPr>
+              <a:t>Перспективы развития </a:t>
+            </a:r>
+            <a:endParaRPr lang="ru-RU" dirty="0">
+              <a:solidFill>
+                <a:schemeClr val="accent6">
+                  <a:lumMod val="60000"/>
+                  <a:lumOff val="40000"/>
+                </a:schemeClr>
+              </a:solidFill>
+              <a:latin typeface="Verdana" panose="020B0604030504040204" pitchFamily="34" charset="0"/>
+              <a:ea typeface="Verdana" panose="020B0604030504040204" pitchFamily="34" charset="0"/>
+            </a:endParaRPr>
+          </a:p>
+        </p:txBody>
+      </p:sp>
+      <p:sp>
+        <p:nvSpPr>
+          <p:cNvPr id="3" name="Объект 2"/>
+          <p:cNvSpPr>
+            <a:spLocks noGrp="1"/>
+          </p:cNvSpPr>
+          <p:nvPr>
+            <p:ph idx="1"/>
+          </p:nvPr>
+        </p:nvSpPr>
+        <p:spPr/>
+        <p:txBody>
+          <a:bodyPr/>
+          <a:lstStyle/>
+          <a:p>
+            <a:endParaRPr lang="ru-RU"/>
+          </a:p>
+        </p:txBody>
+      </p:sp>
+    </p:spTree>
+    <p:extLst>
+      <p:ext uri="{BB962C8B-B14F-4D97-AF65-F5344CB8AC3E}">
+        <p14:creationId xmlns:p14="http://schemas.microsoft.com/office/powerpoint/2010/main" val="1296602371"/>
+      </p:ext>
+    </p:extLst>
+  </p:cSld>
+  <p:clrMapOvr>
+    <a:masterClrMapping/>
+  </p:clrMapOvr>
+  <mc:AlternateContent xmlns:mc="http://schemas.openxmlformats.org/markup-compatibility/2006" xmlns:p15="http://schemas.microsoft.com/office/powerpoint/2012/main">
+    <mc:Choice Requires="p15">
+      <p:transition xmlns:p14="http://schemas.microsoft.com/office/powerpoint/2010/main" spd="slow" p14:dur="1250">
+        <p15:prstTrans prst="pageCurlDouble"/>
+      </p:transition>
+    </mc:Choice>
+    <mc:Fallback xmlns="">
+      <p:transition spd="slow">
+        <p:fade/>
+      </p:transition>
+    </mc:Fallback>
+  </mc:AlternateContent>
+  <p:timing>
+    <p:tnLst>
+      <p:par>
+        <p:cTn id="1" dur="indefinite" restart="never" nodeType="tmRoot">
+          <p:childTnLst>
+            <p:seq concurrent="1" nextAc="seek">
+              <p:cTn id="2" dur="indefinite" nodeType="mainSeq">
+                <p:childTnLst>
+                  <p:par>
+                    <p:cTn id="3" fill="hold">
+                      <p:stCondLst>
+                        <p:cond delay="indefinite"/>
+                      </p:stCondLst>
+                      <p:childTnLst>
+                        <p:par>
+                          <p:cTn id="4" fill="hold">
+                            <p:stCondLst>
+                              <p:cond delay="0"/>
+                            </p:stCondLst>
+                            <p:childTnLst>
+                              <p:par>
+                                <p:cTn id="5" presetID="22" presetClass="entr" presetSubtype="4" fill="hold" grpId="0" nodeType="clickEffect">
+                                  <p:stCondLst>
+                                    <p:cond delay="0"/>
+                                  </p:stCondLst>
+                                  <p:childTnLst>
+                                    <p:set>
+                                      <p:cBhvr>
+                                        <p:cTn id="6" dur="1" fill="hold">
+                                          <p:stCondLst>
+                                            <p:cond delay="0"/>
+                                          </p:stCondLst>
+                                        </p:cTn>
+                                        <p:tgtEl>
+                                          <p:spTgt spid="2"/>
+                                        </p:tgtEl>
+                                        <p:attrNameLst>
+                                          <p:attrName>style.visibility</p:attrName>
+                                        </p:attrNameLst>
+                                      </p:cBhvr>
+                                      <p:to>
+                                        <p:strVal val="visible"/>
+                                      </p:to>
+                                    </p:set>
+                                    <p:animEffect transition="in" filter="wipe(down)">
+                                      <p:cBhvr>
+                                        <p:cTn id="7" dur="500"/>
+                                        <p:tgtEl>
+                                          <p:spTgt spid="2"/>
+                                        </p:tgtEl>
+                                      </p:cBhvr>
+                                    </p:animEffect>
+                                  </p:childTnLst>
+                                </p:cTn>
+                              </p:par>
+                            </p:childTnLst>
+                          </p:cTn>
+                        </p:par>
+                      </p:childTnLst>
+                    </p:cTn>
+                  </p:par>
+                </p:childTnLst>
+              </p:cTn>
+              <p:prevCondLst>
+                <p:cond evt="onPrev" delay="0">
+                  <p:tgtEl>
+                    <p:sldTgt/>
+                  </p:tgtEl>
+                </p:cond>
+              </p:prevCondLst>
+              <p:nextCondLst>
+                <p:cond evt="onNext" delay="0">
+                  <p:tgtEl>
+                    <p:sldTgt/>
+                  </p:tgtEl>
+                </p:cond>
+              </p:nextCondLst>
+            </p:seq>
+          </p:childTnLst>
+        </p:cTn>
+      </p:par>
+    </p:tnLst>
+    <p:bldLst>
+      <p:bldP spid="2" grpId="0"/>
+    </p:bldLst>
+  </p:timing>
+</p:sld>
+</file>
+
+<file path=ppt/slides/slide9.xml><?xml version="1.0" encoding="utf-8"?>
+<p:sld xmlns:a="http://schemas.openxmlformats.org/drawingml/2006/main" xmlns:r="http://schemas.openxmlformats.org/officeDocument/2006/relationships" xmlns:p="http://schemas.openxmlformats.org/presentationml/2006/main">
+  <p:cSld>
+    <p:spTree>
+      <p:nvGrpSpPr>
+        <p:cNvPr id="1" name=""/>
+        <p:cNvGrpSpPr/>
+        <p:nvPr/>
+      </p:nvGrpSpPr>
+      <p:grpSpPr>
+        <a:xfrm>
+          <a:off x="0" y="0"/>
+          <a:ext cx="0" cy="0"/>
+          <a:chOff x="0" y="0"/>
+          <a:chExt cx="0" cy="0"/>
+        </a:xfrm>
+      </p:grpSpPr>
+      <p:sp>
+        <p:nvSpPr>
           <p:cNvPr id="4" name="Заголовок 3"/>
           <p:cNvSpPr>
             <a:spLocks noGrp="1"/>
@@ -16628,13 +16846,13 @@
   <p:clrMapOvr>
     <a:masterClrMapping/>
   </p:clrMapOvr>
-  <mc:AlternateContent xmlns:mc="http://schemas.openxmlformats.org/markup-compatibility/2006">
-    <mc:Choice xmlns:p15="http://schemas.microsoft.com/office/powerpoint/2012/main" Requires="p15">
+  <mc:AlternateContent xmlns:mc="http://schemas.openxmlformats.org/markup-compatibility/2006" xmlns:p15="http://schemas.microsoft.com/office/powerpoint/2012/main">
+    <mc:Choice Requires="p15">
       <p:transition xmlns:p14="http://schemas.microsoft.com/office/powerpoint/2010/main" spd="slow" p14:dur="1250">
         <p15:prstTrans prst="pageCurlDouble"/>
       </p:transition>
     </mc:Choice>
-    <mc:Fallback>
+    <mc:Fallback xmlns="">
       <p:transition spd="slow">
         <p:fade/>
       </p:transition>

--- a/Проект по Samsung.pptx
+++ b/Проект по Samsung.pptx
@@ -14144,7 +14144,20 @@
           <a:lstStyle/>
           <a:p>
             <a:pPr algn="ctr"/>
+            <a:r>
+              <a:rPr lang="ru-RU" sz="2000" dirty="0">
+                <a:solidFill>
+                  <a:schemeClr val="bg1"/>
+                </a:solidFill>
+                <a:latin typeface="Verdana" panose="020B0604030504040204" pitchFamily="34" charset="0"/>
+                <a:ea typeface="Verdana" panose="020B0604030504040204" pitchFamily="34" charset="0"/>
+              </a:rPr>
+              <a:t>Создать развлекательное приложение, рассказывающее о жизни студента РТУ МИРЭА</a:t>
+            </a:r>
             <a:endParaRPr lang="ru-RU" sz="2000" dirty="0">
+              <a:solidFill>
+                <a:schemeClr val="bg1"/>
+              </a:solidFill>
               <a:latin typeface="Verdana" panose="020B0604030504040204" pitchFamily="34" charset="0"/>
               <a:ea typeface="Verdana" panose="020B0604030504040204" pitchFamily="34" charset="0"/>
             </a:endParaRPr>
@@ -14194,7 +14207,43 @@
           <a:bodyPr rtlCol="0" anchor="ctr"/>
           <a:lstStyle/>
           <a:p>
-            <a:pPr algn="ctr"/>
+            <a:pPr marL="342900" indent="-342900" algn="just">
+              <a:buFont typeface="Arial" panose="020B0604020202020204" pitchFamily="34" charset="0"/>
+              <a:buChar char="•"/>
+            </a:pPr>
+            <a:r>
+              <a:rPr lang="ru-RU" sz="2000" dirty="0" smtClean="0">
+                <a:latin typeface="Verdana" panose="020B0604030504040204" pitchFamily="34" charset="0"/>
+                <a:ea typeface="Verdana" panose="020B0604030504040204" pitchFamily="34" charset="0"/>
+              </a:rPr>
+              <a:t>Рассказать в игровой форме абитуриентам о тяжелой жизни студента и подготовить их к некоторым особенностям процесса обучения</a:t>
+            </a:r>
+          </a:p>
+          <a:p>
+            <a:pPr marL="342900" indent="-342900" algn="just">
+              <a:buFont typeface="Arial" panose="020B0604020202020204" pitchFamily="34" charset="0"/>
+              <a:buChar char="•"/>
+            </a:pPr>
+            <a:r>
+              <a:rPr lang="ru-RU" sz="2000" dirty="0" smtClean="0">
+                <a:latin typeface="Verdana" panose="020B0604030504040204" pitchFamily="34" charset="0"/>
+                <a:ea typeface="Verdana" panose="020B0604030504040204" pitchFamily="34" charset="0"/>
+              </a:rPr>
+              <a:t>Создать виртуальную копию ВУЗа с возможностью использования приложения в качестве навигационного тренажера</a:t>
+            </a:r>
+          </a:p>
+          <a:p>
+            <a:pPr marL="342900" indent="-342900" algn="just">
+              <a:buFont typeface="Arial" panose="020B0604020202020204" pitchFamily="34" charset="0"/>
+              <a:buChar char="•"/>
+            </a:pPr>
+            <a:r>
+              <a:rPr lang="ru-RU" sz="2000" dirty="0" smtClean="0">
+                <a:latin typeface="Verdana" panose="020B0604030504040204" pitchFamily="34" charset="0"/>
+                <a:ea typeface="Verdana" panose="020B0604030504040204" pitchFamily="34" charset="0"/>
+              </a:rPr>
+              <a:t>Обогатить культурное наследие сообщества студентов РТУ МИРЭА</a:t>
+            </a:r>
             <a:endParaRPr lang="ru-RU" sz="2000" dirty="0">
               <a:latin typeface="Verdana" panose="020B0604030504040204" pitchFamily="34" charset="0"/>
               <a:ea typeface="Verdana" panose="020B0604030504040204" pitchFamily="34" charset="0"/>
@@ -14551,25 +14600,170 @@
           </a:p>
         </p:txBody>
       </p:sp>
-      <p:sp>
-        <p:nvSpPr>
-          <p:cNvPr id="3" name="Объект 2"/>
-          <p:cNvSpPr>
-            <a:spLocks noGrp="1"/>
-          </p:cNvSpPr>
-          <p:nvPr>
-            <p:ph idx="1"/>
-          </p:nvPr>
-        </p:nvSpPr>
-        <p:spPr/>
-        <p:txBody>
-          <a:bodyPr/>
-          <a:lstStyle/>
-          <a:p>
-            <a:endParaRPr lang="ru-RU"/>
-          </a:p>
-        </p:txBody>
-      </p:sp>
+      <p:pic>
+        <p:nvPicPr>
+          <p:cNvPr id="1026" name="Picture 2" descr="https://brcforum.sitkocdn.ru/monthly_2019_07/upscale-245673958016212.png.a3d2946e8bd832318597ea0fcd9be412.png"/>
+          <p:cNvPicPr>
+            <a:picLocks noChangeAspect="1" noChangeArrowheads="1"/>
+          </p:cNvPicPr>
+          <p:nvPr/>
+        </p:nvPicPr>
+        <p:blipFill>
+          <a:blip r:embed="rId2">
+            <a:extLst>
+              <a:ext uri="{28A0092B-C50C-407E-A947-70E740481C1C}">
+                <a14:useLocalDpi xmlns:a14="http://schemas.microsoft.com/office/drawing/2010/main" val="0"/>
+              </a:ext>
+            </a:extLst>
+          </a:blip>
+          <a:srcRect/>
+          <a:stretch>
+            <a:fillRect/>
+          </a:stretch>
+        </p:blipFill>
+        <p:spPr bwMode="auto">
+          <a:xfrm>
+            <a:off x="865789" y="2367297"/>
+            <a:ext cx="4975718" cy="641862"/>
+          </a:xfrm>
+          <a:prstGeom prst="rect">
+            <a:avLst/>
+          </a:prstGeom>
+          <a:noFill/>
+          <a:extLst>
+            <a:ext uri="{909E8E84-426E-40DD-AFC4-6F175D3DCCD1}">
+              <a14:hiddenFill xmlns:a14="http://schemas.microsoft.com/office/drawing/2010/main">
+                <a:solidFill>
+                  <a:srgbClr val="FFFFFF"/>
+                </a:solidFill>
+              </a14:hiddenFill>
+            </a:ext>
+          </a:extLst>
+        </p:spPr>
+      </p:pic>
+      <p:pic>
+        <p:nvPicPr>
+          <p:cNvPr id="1028" name="Picture 4" descr="https://i.pinimg.com/736x/7a/cf/21/7acf21426046dcf2efed6f725613f936.jpg"/>
+          <p:cNvPicPr>
+            <a:picLocks noChangeAspect="1" noChangeArrowheads="1"/>
+          </p:cNvPicPr>
+          <p:nvPr/>
+        </p:nvPicPr>
+        <p:blipFill>
+          <a:blip r:embed="rId3">
+            <a:extLst>
+              <a:ext uri="{28A0092B-C50C-407E-A947-70E740481C1C}">
+                <a14:useLocalDpi xmlns:a14="http://schemas.microsoft.com/office/drawing/2010/main" val="0"/>
+              </a:ext>
+            </a:extLst>
+          </a:blip>
+          <a:srcRect/>
+          <a:stretch>
+            <a:fillRect/>
+          </a:stretch>
+        </p:blipFill>
+        <p:spPr bwMode="auto">
+          <a:xfrm>
+            <a:off x="679357" y="3695824"/>
+            <a:ext cx="3075897" cy="2000380"/>
+          </a:xfrm>
+          <a:prstGeom prst="rect">
+            <a:avLst/>
+          </a:prstGeom>
+          <a:noFill/>
+          <a:extLst>
+            <a:ext uri="{909E8E84-426E-40DD-AFC4-6F175D3DCCD1}">
+              <a14:hiddenFill xmlns:a14="http://schemas.microsoft.com/office/drawing/2010/main">
+                <a:solidFill>
+                  <a:srgbClr val="FFFFFF"/>
+                </a:solidFill>
+              </a14:hiddenFill>
+            </a:ext>
+          </a:extLst>
+        </p:spPr>
+      </p:pic>
+      <p:pic>
+        <p:nvPicPr>
+          <p:cNvPr id="1030" name="Picture 6" descr="https://aproximatelytoomanygames.files.wordpress.com/2016/11/martytitle_cleaned-0.png"/>
+          <p:cNvPicPr>
+            <a:picLocks noChangeAspect="1" noChangeArrowheads="1"/>
+          </p:cNvPicPr>
+          <p:nvPr/>
+        </p:nvPicPr>
+        <p:blipFill>
+          <a:blip r:embed="rId4">
+            <a:extLst>
+              <a:ext uri="{28A0092B-C50C-407E-A947-70E740481C1C}">
+                <a14:useLocalDpi xmlns:a14="http://schemas.microsoft.com/office/drawing/2010/main" val="0"/>
+              </a:ext>
+            </a:extLst>
+          </a:blip>
+          <a:srcRect/>
+          <a:stretch>
+            <a:fillRect/>
+          </a:stretch>
+        </p:blipFill>
+        <p:spPr bwMode="auto">
+          <a:xfrm>
+            <a:off x="3755254" y="3695824"/>
+            <a:ext cx="2165619" cy="1766353"/>
+          </a:xfrm>
+          <a:prstGeom prst="rect">
+            <a:avLst/>
+          </a:prstGeom>
+          <a:noFill/>
+          <a:extLst>
+            <a:ext uri="{909E8E84-426E-40DD-AFC4-6F175D3DCCD1}">
+              <a14:hiddenFill xmlns:a14="http://schemas.microsoft.com/office/drawing/2010/main">
+                <a:solidFill>
+                  <a:srgbClr val="FFFFFF"/>
+                </a:solidFill>
+              </a14:hiddenFill>
+            </a:ext>
+          </a:extLst>
+        </p:spPr>
+      </p:pic>
+      <p:pic>
+        <p:nvPicPr>
+          <p:cNvPr id="1032" name="Picture 8" descr="https://media.pocketgamer.com/artwork/na-mnpev/c5xlfriu4aa_foa.jpg"/>
+          <p:cNvPicPr>
+            <a:picLocks noChangeAspect="1" noChangeArrowheads="1"/>
+          </p:cNvPicPr>
+          <p:nvPr/>
+        </p:nvPicPr>
+        <p:blipFill>
+          <a:blip r:embed="rId5">
+            <a:extLst>
+              <a:ext uri="{28A0092B-C50C-407E-A947-70E740481C1C}">
+                <a14:useLocalDpi xmlns:a14="http://schemas.microsoft.com/office/drawing/2010/main" val="0"/>
+              </a:ext>
+            </a:extLst>
+          </a:blip>
+          <a:srcRect/>
+          <a:stretch>
+            <a:fillRect/>
+          </a:stretch>
+        </p:blipFill>
+        <p:spPr bwMode="auto">
+          <a:xfrm>
+            <a:off x="6458721" y="2367297"/>
+            <a:ext cx="5295314" cy="2568228"/>
+          </a:xfrm>
+          <a:prstGeom prst="rect">
+            <a:avLst/>
+          </a:prstGeom>
+          <a:noFill/>
+          <a:extLst>
+            <a:ext uri="{909E8E84-426E-40DD-AFC4-6F175D3DCCD1}">
+              <a14:hiddenFill xmlns:a14="http://schemas.microsoft.com/office/drawing/2010/main">
+                <a:solidFill>
+                  <a:srgbClr val="FFFFFF"/>
+                </a:solidFill>
+              </a14:hiddenFill>
+            </a:ext>
+          </a:extLst>
+        </p:spPr>
+      </p:pic>
     </p:spTree>
     <p:extLst>
       <p:ext uri="{BB962C8B-B14F-4D97-AF65-F5344CB8AC3E}">
@@ -14644,6 +14838,348 @@
                                         </p:tgtEl>
                                       </p:cBhvr>
                                     </p:animEffect>
+                                  </p:childTnLst>
+                                </p:cTn>
+                              </p:par>
+                            </p:childTnLst>
+                          </p:cTn>
+                        </p:par>
+                      </p:childTnLst>
+                    </p:cTn>
+                  </p:par>
+                  <p:par>
+                    <p:cTn id="8" fill="hold">
+                      <p:stCondLst>
+                        <p:cond delay="indefinite"/>
+                      </p:stCondLst>
+                      <p:childTnLst>
+                        <p:par>
+                          <p:cTn id="9" fill="hold">
+                            <p:stCondLst>
+                              <p:cond delay="0"/>
+                            </p:stCondLst>
+                            <p:childTnLst>
+                              <p:par>
+                                <p:cTn id="10" presetID="42" presetClass="entr" presetSubtype="0" fill="hold" nodeType="clickEffect">
+                                  <p:stCondLst>
+                                    <p:cond delay="0"/>
+                                  </p:stCondLst>
+                                  <p:childTnLst>
+                                    <p:set>
+                                      <p:cBhvr>
+                                        <p:cTn id="11" dur="1" fill="hold">
+                                          <p:stCondLst>
+                                            <p:cond delay="0"/>
+                                          </p:stCondLst>
+                                        </p:cTn>
+                                        <p:tgtEl>
+                                          <p:spTgt spid="1026"/>
+                                        </p:tgtEl>
+                                        <p:attrNameLst>
+                                          <p:attrName>style.visibility</p:attrName>
+                                        </p:attrNameLst>
+                                      </p:cBhvr>
+                                      <p:to>
+                                        <p:strVal val="visible"/>
+                                      </p:to>
+                                    </p:set>
+                                    <p:animEffect transition="in" filter="fade">
+                                      <p:cBhvr>
+                                        <p:cTn id="12" dur="1000"/>
+                                        <p:tgtEl>
+                                          <p:spTgt spid="1026"/>
+                                        </p:tgtEl>
+                                      </p:cBhvr>
+                                    </p:animEffect>
+                                    <p:anim calcmode="lin" valueType="num">
+                                      <p:cBhvr>
+                                        <p:cTn id="13" dur="1000" fill="hold"/>
+                                        <p:tgtEl>
+                                          <p:spTgt spid="1026"/>
+                                        </p:tgtEl>
+                                        <p:attrNameLst>
+                                          <p:attrName>ppt_x</p:attrName>
+                                        </p:attrNameLst>
+                                      </p:cBhvr>
+                                      <p:tavLst>
+                                        <p:tav tm="0">
+                                          <p:val>
+                                            <p:strVal val="#ppt_x"/>
+                                          </p:val>
+                                        </p:tav>
+                                        <p:tav tm="100000">
+                                          <p:val>
+                                            <p:strVal val="#ppt_x"/>
+                                          </p:val>
+                                        </p:tav>
+                                      </p:tavLst>
+                                    </p:anim>
+                                    <p:anim calcmode="lin" valueType="num">
+                                      <p:cBhvr>
+                                        <p:cTn id="14" dur="1000" fill="hold"/>
+                                        <p:tgtEl>
+                                          <p:spTgt spid="1026"/>
+                                        </p:tgtEl>
+                                        <p:attrNameLst>
+                                          <p:attrName>ppt_y</p:attrName>
+                                        </p:attrNameLst>
+                                      </p:cBhvr>
+                                      <p:tavLst>
+                                        <p:tav tm="0">
+                                          <p:val>
+                                            <p:strVal val="#ppt_y+.1"/>
+                                          </p:val>
+                                        </p:tav>
+                                        <p:tav tm="100000">
+                                          <p:val>
+                                            <p:strVal val="#ppt_y"/>
+                                          </p:val>
+                                        </p:tav>
+                                      </p:tavLst>
+                                    </p:anim>
+                                  </p:childTnLst>
+                                </p:cTn>
+                              </p:par>
+                              <p:par>
+                                <p:cTn id="15" presetID="42" presetClass="entr" presetSubtype="0" fill="hold" nodeType="withEffect">
+                                  <p:stCondLst>
+                                    <p:cond delay="0"/>
+                                  </p:stCondLst>
+                                  <p:childTnLst>
+                                    <p:set>
+                                      <p:cBhvr>
+                                        <p:cTn id="16" dur="1" fill="hold">
+                                          <p:stCondLst>
+                                            <p:cond delay="0"/>
+                                          </p:stCondLst>
+                                        </p:cTn>
+                                        <p:tgtEl>
+                                          <p:spTgt spid="1028"/>
+                                        </p:tgtEl>
+                                        <p:attrNameLst>
+                                          <p:attrName>style.visibility</p:attrName>
+                                        </p:attrNameLst>
+                                      </p:cBhvr>
+                                      <p:to>
+                                        <p:strVal val="visible"/>
+                                      </p:to>
+                                    </p:set>
+                                    <p:animEffect transition="in" filter="fade">
+                                      <p:cBhvr>
+                                        <p:cTn id="17" dur="1000"/>
+                                        <p:tgtEl>
+                                          <p:spTgt spid="1028"/>
+                                        </p:tgtEl>
+                                      </p:cBhvr>
+                                    </p:animEffect>
+                                    <p:anim calcmode="lin" valueType="num">
+                                      <p:cBhvr>
+                                        <p:cTn id="18" dur="1000" fill="hold"/>
+                                        <p:tgtEl>
+                                          <p:spTgt spid="1028"/>
+                                        </p:tgtEl>
+                                        <p:attrNameLst>
+                                          <p:attrName>ppt_x</p:attrName>
+                                        </p:attrNameLst>
+                                      </p:cBhvr>
+                                      <p:tavLst>
+                                        <p:tav tm="0">
+                                          <p:val>
+                                            <p:strVal val="#ppt_x"/>
+                                          </p:val>
+                                        </p:tav>
+                                        <p:tav tm="100000">
+                                          <p:val>
+                                            <p:strVal val="#ppt_x"/>
+                                          </p:val>
+                                        </p:tav>
+                                      </p:tavLst>
+                                    </p:anim>
+                                    <p:anim calcmode="lin" valueType="num">
+                                      <p:cBhvr>
+                                        <p:cTn id="19" dur="1000" fill="hold"/>
+                                        <p:tgtEl>
+                                          <p:spTgt spid="1028"/>
+                                        </p:tgtEl>
+                                        <p:attrNameLst>
+                                          <p:attrName>ppt_y</p:attrName>
+                                        </p:attrNameLst>
+                                      </p:cBhvr>
+                                      <p:tavLst>
+                                        <p:tav tm="0">
+                                          <p:val>
+                                            <p:strVal val="#ppt_y+.1"/>
+                                          </p:val>
+                                        </p:tav>
+                                        <p:tav tm="100000">
+                                          <p:val>
+                                            <p:strVal val="#ppt_y"/>
+                                          </p:val>
+                                        </p:tav>
+                                      </p:tavLst>
+                                    </p:anim>
+                                  </p:childTnLst>
+                                </p:cTn>
+                              </p:par>
+                              <p:par>
+                                <p:cTn id="20" presetID="42" presetClass="entr" presetSubtype="0" fill="hold" nodeType="withEffect">
+                                  <p:stCondLst>
+                                    <p:cond delay="0"/>
+                                  </p:stCondLst>
+                                  <p:childTnLst>
+                                    <p:set>
+                                      <p:cBhvr>
+                                        <p:cTn id="21" dur="1" fill="hold">
+                                          <p:stCondLst>
+                                            <p:cond delay="0"/>
+                                          </p:stCondLst>
+                                        </p:cTn>
+                                        <p:tgtEl>
+                                          <p:spTgt spid="1030"/>
+                                        </p:tgtEl>
+                                        <p:attrNameLst>
+                                          <p:attrName>style.visibility</p:attrName>
+                                        </p:attrNameLst>
+                                      </p:cBhvr>
+                                      <p:to>
+                                        <p:strVal val="visible"/>
+                                      </p:to>
+                                    </p:set>
+                                    <p:animEffect transition="in" filter="fade">
+                                      <p:cBhvr>
+                                        <p:cTn id="22" dur="1000"/>
+                                        <p:tgtEl>
+                                          <p:spTgt spid="1030"/>
+                                        </p:tgtEl>
+                                      </p:cBhvr>
+                                    </p:animEffect>
+                                    <p:anim calcmode="lin" valueType="num">
+                                      <p:cBhvr>
+                                        <p:cTn id="23" dur="1000" fill="hold"/>
+                                        <p:tgtEl>
+                                          <p:spTgt spid="1030"/>
+                                        </p:tgtEl>
+                                        <p:attrNameLst>
+                                          <p:attrName>ppt_x</p:attrName>
+                                        </p:attrNameLst>
+                                      </p:cBhvr>
+                                      <p:tavLst>
+                                        <p:tav tm="0">
+                                          <p:val>
+                                            <p:strVal val="#ppt_x"/>
+                                          </p:val>
+                                        </p:tav>
+                                        <p:tav tm="100000">
+                                          <p:val>
+                                            <p:strVal val="#ppt_x"/>
+                                          </p:val>
+                                        </p:tav>
+                                      </p:tavLst>
+                                    </p:anim>
+                                    <p:anim calcmode="lin" valueType="num">
+                                      <p:cBhvr>
+                                        <p:cTn id="24" dur="1000" fill="hold"/>
+                                        <p:tgtEl>
+                                          <p:spTgt spid="1030"/>
+                                        </p:tgtEl>
+                                        <p:attrNameLst>
+                                          <p:attrName>ppt_y</p:attrName>
+                                        </p:attrNameLst>
+                                      </p:cBhvr>
+                                      <p:tavLst>
+                                        <p:tav tm="0">
+                                          <p:val>
+                                            <p:strVal val="#ppt_y+.1"/>
+                                          </p:val>
+                                        </p:tav>
+                                        <p:tav tm="100000">
+                                          <p:val>
+                                            <p:strVal val="#ppt_y"/>
+                                          </p:val>
+                                        </p:tav>
+                                      </p:tavLst>
+                                    </p:anim>
+                                  </p:childTnLst>
+                                </p:cTn>
+                              </p:par>
+                              <p:par>
+                                <p:cTn id="25" presetID="42" presetClass="entr" presetSubtype="0" fill="hold" nodeType="withEffect">
+                                  <p:stCondLst>
+                                    <p:cond delay="0"/>
+                                  </p:stCondLst>
+                                  <p:childTnLst>
+                                    <p:set>
+                                      <p:cBhvr>
+                                        <p:cTn id="26" dur="1" fill="hold">
+                                          <p:stCondLst>
+                                            <p:cond delay="0"/>
+                                          </p:stCondLst>
+                                        </p:cTn>
+                                        <p:tgtEl>
+                                          <p:spTgt spid="1032"/>
+                                        </p:tgtEl>
+                                        <p:attrNameLst>
+                                          <p:attrName>style.visibility</p:attrName>
+                                        </p:attrNameLst>
+                                      </p:cBhvr>
+                                      <p:to>
+                                        <p:strVal val="visible"/>
+                                      </p:to>
+                                    </p:set>
+                                    <p:animEffect transition="in" filter="fade">
+                                      <p:cBhvr>
+                                        <p:cTn id="27" dur="1000"/>
+                                        <p:tgtEl>
+                                          <p:spTgt spid="1032"/>
+                                        </p:tgtEl>
+                                      </p:cBhvr>
+                                    </p:animEffect>
+                                    <p:anim calcmode="lin" valueType="num">
+                                      <p:cBhvr>
+                                        <p:cTn id="28" dur="1000" fill="hold"/>
+                                        <p:tgtEl>
+                                          <p:spTgt spid="1032"/>
+                                        </p:tgtEl>
+                                        <p:attrNameLst>
+                                          <p:attrName>ppt_x</p:attrName>
+                                        </p:attrNameLst>
+                                      </p:cBhvr>
+                                      <p:tavLst>
+                                        <p:tav tm="0">
+                                          <p:val>
+                                            <p:strVal val="#ppt_x"/>
+                                          </p:val>
+                                        </p:tav>
+                                        <p:tav tm="100000">
+                                          <p:val>
+                                            <p:strVal val="#ppt_x"/>
+                                          </p:val>
+                                        </p:tav>
+                                      </p:tavLst>
+                                    </p:anim>
+                                    <p:anim calcmode="lin" valueType="num">
+                                      <p:cBhvr>
+                                        <p:cTn id="29" dur="1000" fill="hold"/>
+                                        <p:tgtEl>
+                                          <p:spTgt spid="1032"/>
+                                        </p:tgtEl>
+                                        <p:attrNameLst>
+                                          <p:attrName>ppt_y</p:attrName>
+                                        </p:attrNameLst>
+                                      </p:cBhvr>
+                                      <p:tavLst>
+                                        <p:tav tm="0">
+                                          <p:val>
+                                            <p:strVal val="#ppt_y+.1"/>
+                                          </p:val>
+                                        </p:tav>
+                                        <p:tav tm="100000">
+                                          <p:val>
+                                            <p:strVal val="#ppt_y"/>
+                                          </p:val>
+                                        </p:tav>
+                                      </p:tavLst>
+                                    </p:anim>
                                   </p:childTnLst>
                                 </p:cTn>
                               </p:par>
@@ -15638,14 +16174,14 @@
       </p:sp>
       <p:sp>
         <p:nvSpPr>
-          <p:cNvPr id="8" name="Прямоугольник 7"/>
+          <p:cNvPr id="11" name="Прямоугольник 10"/>
           <p:cNvSpPr/>
           <p:nvPr/>
         </p:nvSpPr>
         <p:spPr>
-          <a:xfrm rot="5400000">
-            <a:off x="8081397" y="1062384"/>
-            <a:ext cx="1427869" cy="4552648"/>
+          <a:xfrm>
+            <a:off x="1153601" y="2405849"/>
+            <a:ext cx="4554000" cy="1646794"/>
           </a:xfrm>
           <a:prstGeom prst="rect">
             <a:avLst/>
@@ -15679,20 +16215,65 @@
           <a:lstStyle/>
           <a:p>
             <a:pPr algn="ctr"/>
-            <a:endParaRPr lang="ru-RU"/>
+            <a:r>
+              <a:rPr lang="ru-RU" dirty="0" smtClean="0">
+                <a:latin typeface="Verdana" panose="020B0604030504040204" pitchFamily="34" charset="0"/>
+                <a:ea typeface="Verdana" panose="020B0604030504040204" pitchFamily="34" charset="0"/>
+              </a:rPr>
+              <a:t>Фреймворк </a:t>
+            </a:r>
+            <a:r>
+              <a:rPr lang="en-US" dirty="0" err="1" smtClean="0">
+                <a:latin typeface="Verdana" panose="020B0604030504040204" pitchFamily="34" charset="0"/>
+                <a:ea typeface="Verdana" panose="020B0604030504040204" pitchFamily="34" charset="0"/>
+              </a:rPr>
+              <a:t>LibGDX</a:t>
+            </a:r>
+            <a:r>
+              <a:rPr lang="en-US" dirty="0" smtClean="0">
+                <a:latin typeface="Verdana" panose="020B0604030504040204" pitchFamily="34" charset="0"/>
+                <a:ea typeface="Verdana" panose="020B0604030504040204" pitchFamily="34" charset="0"/>
+              </a:rPr>
+              <a:t> </a:t>
+            </a:r>
+            <a:r>
+              <a:rPr lang="ru-RU" dirty="0" smtClean="0">
+                <a:latin typeface="Verdana" panose="020B0604030504040204" pitchFamily="34" charset="0"/>
+                <a:ea typeface="Verdana" panose="020B0604030504040204" pitchFamily="34" charset="0"/>
+              </a:rPr>
+              <a:t>оптимально использует ресурсы мобильного устройства и делает размер </a:t>
+            </a:r>
+            <a:r>
+              <a:rPr lang="ru-RU" dirty="0">
+                <a:latin typeface="Verdana" panose="020B0604030504040204" pitchFamily="34" charset="0"/>
+                <a:ea typeface="Verdana" panose="020B0604030504040204" pitchFamily="34" charset="0"/>
+              </a:rPr>
+              <a:t>установочного</a:t>
+            </a:r>
+            <a:r>
+              <a:rPr lang="ru-RU" dirty="0" smtClean="0">
+                <a:latin typeface="Verdana" panose="020B0604030504040204" pitchFamily="34" charset="0"/>
+                <a:ea typeface="Verdana" panose="020B0604030504040204" pitchFamily="34" charset="0"/>
+              </a:rPr>
+              <a:t> файла меньше аналогов, написанных на других игровых движках</a:t>
+            </a:r>
+            <a:endParaRPr lang="ru-RU" dirty="0">
+              <a:latin typeface="Verdana" panose="020B0604030504040204" pitchFamily="34" charset="0"/>
+              <a:ea typeface="Verdana" panose="020B0604030504040204" pitchFamily="34" charset="0"/>
+            </a:endParaRPr>
           </a:p>
         </p:txBody>
       </p:sp>
       <p:sp>
         <p:nvSpPr>
-          <p:cNvPr id="11" name="Прямоугольник 10"/>
+          <p:cNvPr id="7" name="Прямоугольник 6"/>
           <p:cNvSpPr/>
           <p:nvPr/>
         </p:nvSpPr>
         <p:spPr>
-          <a:xfrm rot="5400000">
-            <a:off x="2717342" y="1062384"/>
-            <a:ext cx="1427869" cy="4552648"/>
+          <a:xfrm>
+            <a:off x="1153601" y="4524644"/>
+            <a:ext cx="4554000" cy="1645200"/>
           </a:xfrm>
           <a:prstGeom prst="rect">
             <a:avLst/>
@@ -15726,20 +16307,44 @@
           <a:lstStyle/>
           <a:p>
             <a:pPr algn="ctr"/>
-            <a:endParaRPr lang="ru-RU"/>
+            <a:r>
+              <a:rPr lang="ru-RU" dirty="0">
+                <a:latin typeface="Verdana" panose="020B0604030504040204" pitchFamily="34" charset="0"/>
+                <a:ea typeface="Verdana" panose="020B0604030504040204" pitchFamily="34" charset="0"/>
+              </a:rPr>
+              <a:t>Приложение исполняется на платформе </a:t>
+            </a:r>
+            <a:r>
+              <a:rPr lang="en-US" dirty="0">
+                <a:latin typeface="Verdana" panose="020B0604030504040204" pitchFamily="34" charset="0"/>
+                <a:ea typeface="Verdana" panose="020B0604030504040204" pitchFamily="34" charset="0"/>
+              </a:rPr>
+              <a:t>JVM, </a:t>
+            </a:r>
+            <a:r>
+              <a:rPr lang="ru-RU" dirty="0">
+                <a:latin typeface="Verdana" panose="020B0604030504040204" pitchFamily="34" charset="0"/>
+                <a:ea typeface="Verdana" panose="020B0604030504040204" pitchFamily="34" charset="0"/>
+              </a:rPr>
+              <a:t>которая является базовой для мобильной разработки</a:t>
+            </a:r>
+            <a:endParaRPr lang="ru-RU" dirty="0">
+              <a:latin typeface="Verdana" panose="020B0604030504040204" pitchFamily="34" charset="0"/>
+              <a:ea typeface="Verdana" panose="020B0604030504040204" pitchFamily="34" charset="0"/>
+            </a:endParaRPr>
           </a:p>
         </p:txBody>
       </p:sp>
       <p:sp>
         <p:nvSpPr>
-          <p:cNvPr id="12" name="Прямоугольник 11"/>
+          <p:cNvPr id="9" name="Прямоугольник 8"/>
           <p:cNvSpPr/>
           <p:nvPr/>
         </p:nvSpPr>
         <p:spPr>
-          <a:xfrm rot="5400000">
-            <a:off x="2717342" y="2963586"/>
-            <a:ext cx="1427869" cy="4552648"/>
+          <a:xfrm>
+            <a:off x="6517656" y="4524644"/>
+            <a:ext cx="4554000" cy="1645200"/>
           </a:xfrm>
           <a:prstGeom prst="rect">
             <a:avLst/>
@@ -15773,20 +16378,30 @@
           <a:lstStyle/>
           <a:p>
             <a:pPr algn="ctr"/>
-            <a:endParaRPr lang="ru-RU"/>
+            <a:r>
+              <a:rPr lang="ru-RU" dirty="0" smtClean="0">
+                <a:latin typeface="Verdana" panose="020B0604030504040204" pitchFamily="34" charset="0"/>
+                <a:ea typeface="Verdana" panose="020B0604030504040204" pitchFamily="34" charset="0"/>
+              </a:rPr>
+              <a:t>Приложение обладает интуитивно понятным и минималистичным интерфейсом, позволяющим быстро влиться в игровой процесс</a:t>
+            </a:r>
+            <a:endParaRPr lang="ru-RU" dirty="0">
+              <a:latin typeface="Verdana" panose="020B0604030504040204" pitchFamily="34" charset="0"/>
+              <a:ea typeface="Verdana" panose="020B0604030504040204" pitchFamily="34" charset="0"/>
+            </a:endParaRPr>
           </a:p>
         </p:txBody>
       </p:sp>
       <p:sp>
         <p:nvSpPr>
-          <p:cNvPr id="13" name="Прямоугольник 12"/>
+          <p:cNvPr id="10" name="Прямоугольник 9"/>
           <p:cNvSpPr/>
           <p:nvPr/>
         </p:nvSpPr>
         <p:spPr>
-          <a:xfrm rot="5400000">
-            <a:off x="8081398" y="2963585"/>
-            <a:ext cx="1427869" cy="4552648"/>
+          <a:xfrm>
+            <a:off x="6517656" y="2407443"/>
+            <a:ext cx="4554000" cy="1645200"/>
           </a:xfrm>
           <a:prstGeom prst="rect">
             <a:avLst/>
@@ -15820,7 +16435,31 @@
           <a:lstStyle/>
           <a:p>
             <a:pPr algn="ctr"/>
-            <a:endParaRPr lang="ru-RU"/>
+            <a:r>
+              <a:rPr lang="ru-RU" dirty="0">
+                <a:latin typeface="Verdana" panose="020B0604030504040204" pitchFamily="34" charset="0"/>
+                <a:ea typeface="Verdana" panose="020B0604030504040204" pitchFamily="34" charset="0"/>
+              </a:rPr>
+              <a:t>Так как все </a:t>
+            </a:r>
+            <a:r>
+              <a:rPr lang="ru-RU" dirty="0">
+                <a:latin typeface="Verdana" panose="020B0604030504040204" pitchFamily="34" charset="0"/>
+                <a:ea typeface="Verdana" panose="020B0604030504040204" pitchFamily="34" charset="0"/>
+              </a:rPr>
+              <a:t>нужные</a:t>
+            </a:r>
+            <a:r>
+              <a:rPr lang="ru-RU" dirty="0">
+                <a:latin typeface="Verdana" panose="020B0604030504040204" pitchFamily="34" charset="0"/>
+                <a:ea typeface="Verdana" panose="020B0604030504040204" pitchFamily="34" charset="0"/>
+              </a:rPr>
+              <a:t> ресурсы хранятся на устройстве, то интернет-подключение для работы приложения не требуется</a:t>
+            </a:r>
+            <a:endParaRPr lang="ru-RU" dirty="0">
+              <a:latin typeface="Verdana" panose="020B0604030504040204" pitchFamily="34" charset="0"/>
+              <a:ea typeface="Verdana" panose="020B0604030504040204" pitchFamily="34" charset="0"/>
+            </a:endParaRPr>
           </a:p>
         </p:txBody>
       </p:sp>
@@ -15986,7 +16625,7 @@
                                           </p:stCondLst>
                                         </p:cTn>
                                         <p:tgtEl>
-                                          <p:spTgt spid="8"/>
+                                          <p:spTgt spid="7"/>
                                         </p:tgtEl>
                                         <p:attrNameLst>
                                           <p:attrName>style.visibility</p:attrName>
@@ -16000,7 +16639,7 @@
                                       <p:cBhvr>
                                         <p:cTn id="17" dur="500"/>
                                         <p:tgtEl>
-                                          <p:spTgt spid="8"/>
+                                          <p:spTgt spid="7"/>
                                         </p:tgtEl>
                                       </p:cBhvr>
                                     </p:animEffect>
@@ -16039,7 +16678,7 @@
                                           </p:stCondLst>
                                         </p:cTn>
                                         <p:tgtEl>
-                                          <p:spTgt spid="12"/>
+                                          <p:spTgt spid="9"/>
                                         </p:tgtEl>
                                         <p:attrNameLst>
                                           <p:attrName>style.visibility</p:attrName>
@@ -16053,7 +16692,7 @@
                                       <p:cBhvr>
                                         <p:cTn id="22" dur="500"/>
                                         <p:tgtEl>
-                                          <p:spTgt spid="12"/>
+                                          <p:spTgt spid="9"/>
                                         </p:tgtEl>
                                       </p:cBhvr>
                                     </p:animEffect>
@@ -16092,7 +16731,7 @@
                                           </p:stCondLst>
                                         </p:cTn>
                                         <p:tgtEl>
-                                          <p:spTgt spid="13"/>
+                                          <p:spTgt spid="10"/>
                                         </p:tgtEl>
                                         <p:attrNameLst>
                                           <p:attrName>style.visibility</p:attrName>
@@ -16106,7 +16745,7 @@
                                       <p:cBhvr>
                                         <p:cTn id="27" dur="500"/>
                                         <p:tgtEl>
-                                          <p:spTgt spid="13"/>
+                                          <p:spTgt spid="10"/>
                                         </p:tgtEl>
                                       </p:cBhvr>
                                     </p:animEffect>
@@ -16142,10 +16781,10 @@
     </p:tnLst>
     <p:bldLst>
       <p:bldP spid="2" grpId="0"/>
-      <p:bldP spid="8" grpId="0" animBg="1"/>
       <p:bldP spid="11" grpId="0" animBg="1"/>
-      <p:bldP spid="12" grpId="0" animBg="1"/>
-      <p:bldP spid="13" grpId="0" animBg="1"/>
+      <p:bldP spid="7" grpId="0" animBg="1"/>
+      <p:bldP spid="9" grpId="0" animBg="1"/>
+      <p:bldP spid="10" grpId="0" animBg="1"/>
     </p:bldLst>
   </p:timing>
 </p:sld>

--- a/Проект по Samsung.pptx
+++ b/Проект по Samsung.pptx
@@ -17302,7 +17302,114 @@
           <a:bodyPr/>
           <a:lstStyle/>
           <a:p>
-            <a:endParaRPr lang="ru-RU"/>
+            <a:r>
+              <a:rPr lang="ru-RU" dirty="0" smtClean="0">
+                <a:latin typeface="Verdana" panose="020B0604030504040204" pitchFamily="34" charset="0"/>
+                <a:ea typeface="Verdana" panose="020B0604030504040204" pitchFamily="34" charset="0"/>
+              </a:rPr>
+              <a:t>Несмотря на свои безусловные преимущества в плане производительности, </a:t>
+            </a:r>
+            <a:r>
+              <a:rPr lang="en-US" dirty="0" err="1" smtClean="0">
+                <a:latin typeface="Verdana" panose="020B0604030504040204" pitchFamily="34" charset="0"/>
+                <a:ea typeface="Verdana" panose="020B0604030504040204" pitchFamily="34" charset="0"/>
+              </a:rPr>
+              <a:t>libGDX</a:t>
+            </a:r>
+            <a:r>
+              <a:rPr lang="en-US" dirty="0" smtClean="0">
+                <a:latin typeface="Verdana" panose="020B0604030504040204" pitchFamily="34" charset="0"/>
+                <a:ea typeface="Verdana" panose="020B0604030504040204" pitchFamily="34" charset="0"/>
+              </a:rPr>
+              <a:t> </a:t>
+            </a:r>
+            <a:r>
+              <a:rPr lang="ru-RU" dirty="0" smtClean="0">
+                <a:latin typeface="Verdana" panose="020B0604030504040204" pitchFamily="34" charset="0"/>
+                <a:ea typeface="Verdana" panose="020B0604030504040204" pitchFamily="34" charset="0"/>
+              </a:rPr>
+              <a:t>как игровой </a:t>
+            </a:r>
+            <a:r>
+              <a:rPr lang="ru-RU" dirty="0" err="1" smtClean="0">
+                <a:latin typeface="Verdana" panose="020B0604030504040204" pitchFamily="34" charset="0"/>
+                <a:ea typeface="Verdana" panose="020B0604030504040204" pitchFamily="34" charset="0"/>
+              </a:rPr>
+              <a:t>фреймворк</a:t>
+            </a:r>
+            <a:r>
+              <a:rPr lang="ru-RU" dirty="0" smtClean="0">
+                <a:latin typeface="Verdana" panose="020B0604030504040204" pitchFamily="34" charset="0"/>
+                <a:ea typeface="Verdana" panose="020B0604030504040204" pitchFamily="34" charset="0"/>
+              </a:rPr>
+              <a:t> уступает в плане функциональности и </a:t>
+            </a:r>
+            <a:r>
+              <a:rPr lang="ru-RU" dirty="0" err="1" smtClean="0">
+                <a:latin typeface="Verdana" panose="020B0604030504040204" pitchFamily="34" charset="0"/>
+                <a:ea typeface="Verdana" panose="020B0604030504040204" pitchFamily="34" charset="0"/>
+              </a:rPr>
+              <a:t>портируемости</a:t>
+            </a:r>
+            <a:r>
+              <a:rPr lang="ru-RU" dirty="0" smtClean="0">
+                <a:latin typeface="Verdana" panose="020B0604030504040204" pitchFamily="34" charset="0"/>
+                <a:ea typeface="Verdana" panose="020B0604030504040204" pitchFamily="34" charset="0"/>
+              </a:rPr>
+              <a:t> популярным игровым движкам. Перспективой развития является перенос проекта на движок </a:t>
+            </a:r>
+            <a:r>
+              <a:rPr lang="en-US" dirty="0" smtClean="0">
+                <a:latin typeface="Verdana" panose="020B0604030504040204" pitchFamily="34" charset="0"/>
+                <a:ea typeface="Verdana" panose="020B0604030504040204" pitchFamily="34" charset="0"/>
+              </a:rPr>
+              <a:t>Unity3D</a:t>
+            </a:r>
+            <a:r>
+              <a:rPr lang="ru-RU" dirty="0" smtClean="0">
+                <a:latin typeface="Verdana" panose="020B0604030504040204" pitchFamily="34" charset="0"/>
+                <a:ea typeface="Verdana" panose="020B0604030504040204" pitchFamily="34" charset="0"/>
+              </a:rPr>
+              <a:t> или </a:t>
+            </a:r>
+            <a:r>
+              <a:rPr lang="en-US" smtClean="0">
+                <a:latin typeface="Verdana" panose="020B0604030504040204" pitchFamily="34" charset="0"/>
+                <a:ea typeface="Verdana" panose="020B0604030504040204" pitchFamily="34" charset="0"/>
+              </a:rPr>
+              <a:t>Unreal Engine</a:t>
+            </a:r>
+            <a:r>
+              <a:rPr lang="ru-RU" dirty="0" smtClean="0">
+                <a:latin typeface="Verdana" panose="020B0604030504040204" pitchFamily="34" charset="0"/>
+                <a:ea typeface="Verdana" panose="020B0604030504040204" pitchFamily="34" charset="0"/>
+              </a:rPr>
+              <a:t>. Однако, данное усовершенствование выходит за рамки программы обучения Академии </a:t>
+            </a:r>
+            <a:r>
+              <a:rPr lang="en-US" dirty="0" smtClean="0">
+                <a:latin typeface="Verdana" panose="020B0604030504040204" pitchFamily="34" charset="0"/>
+                <a:ea typeface="Verdana" panose="020B0604030504040204" pitchFamily="34" charset="0"/>
+              </a:rPr>
+              <a:t>Samsung</a:t>
+            </a:r>
+            <a:r>
+              <a:rPr lang="ru-RU" dirty="0" smtClean="0">
+                <a:latin typeface="Verdana" panose="020B0604030504040204" pitchFamily="34" charset="0"/>
+                <a:ea typeface="Verdana" panose="020B0604030504040204" pitchFamily="34" charset="0"/>
+              </a:rPr>
+              <a:t>.</a:t>
+            </a:r>
+            <a:endParaRPr lang="ru-RU" dirty="0" smtClean="0">
+              <a:latin typeface="Verdana" panose="020B0604030504040204" pitchFamily="34" charset="0"/>
+              <a:ea typeface="Verdana" panose="020B0604030504040204" pitchFamily="34" charset="0"/>
+            </a:endParaRPr>
+          </a:p>
+          <a:p>
+            <a:endParaRPr lang="ru-RU" dirty="0">
+              <a:latin typeface="Verdana" panose="020B0604030504040204" pitchFamily="34" charset="0"/>
+              <a:ea typeface="Verdana" panose="020B0604030504040204" pitchFamily="34" charset="0"/>
+            </a:endParaRPr>
           </a:p>
         </p:txBody>
       </p:sp>

--- a/Проект по Samsung.pptx
+++ b/Проект по Samsung.pptx
@@ -456,7 +456,7 @@
             <a:fld id="{5923F103-BC34-4FE4-A40E-EDDEECFDA5D0}" type="datetimeFigureOut">
               <a:rPr lang="en-US" smtClean="0"/>
               <a:pPr/>
-              <a:t>5/13/2021</a:t>
+              <a:t>5/14/2021</a:t>
             </a:fld>
             <a:endParaRPr lang="en-US" dirty="0"/>
           </a:p>
@@ -1550,7 +1550,7 @@
           <a:p>
             <a:fld id="{923A1CC3-2375-41D4-9E03-427CAF2A4C1A}" type="datetimeFigureOut">
               <a:rPr lang="en-US" smtClean="0"/>
-              <a:t>5/13/2021</a:t>
+              <a:t>5/14/2021</a:t>
             </a:fld>
             <a:endParaRPr lang="en-US" dirty="0"/>
           </a:p>
@@ -2536,7 +2536,7 @@
           <a:p>
             <a:fld id="{AFF16868-8199-4C2C-A5B1-63AEE139F88E}" type="datetimeFigureOut">
               <a:rPr lang="en-US" smtClean="0"/>
-              <a:t>5/13/2021</a:t>
+              <a:t>5/14/2021</a:t>
             </a:fld>
             <a:endParaRPr lang="en-US" dirty="0"/>
           </a:p>
@@ -3676,7 +3676,7 @@
           <a:p>
             <a:fld id="{AAD9FF7F-6988-44CC-821B-644E70CD2F73}" type="datetimeFigureOut">
               <a:rPr lang="en-US" smtClean="0"/>
-              <a:t>5/13/2021</a:t>
+              <a:t>5/14/2021</a:t>
             </a:fld>
             <a:endParaRPr lang="en-US" dirty="0"/>
           </a:p>
@@ -4715,7 +4715,7 @@
           <a:p>
             <a:fld id="{5C12C299-16B2-4475-990D-751901EACC14}" type="datetimeFigureOut">
               <a:rPr lang="en-US" smtClean="0"/>
-              <a:t>5/13/2021</a:t>
+              <a:t>5/14/2021</a:t>
             </a:fld>
             <a:endParaRPr lang="en-US" dirty="0"/>
           </a:p>
@@ -5381,7 +5381,7 @@
           <a:p>
             <a:fld id="{9FE86839-B9D8-4651-8783-F325ECE74E65}" type="datetimeFigureOut">
               <a:rPr lang="en-US" smtClean="0"/>
-              <a:t>5/13/2021</a:t>
+              <a:t>5/14/2021</a:t>
             </a:fld>
             <a:endParaRPr lang="en-US" dirty="0"/>
           </a:p>
@@ -6248,7 +6248,7 @@
           <a:p>
             <a:fld id="{FD484F64-32F6-45C5-931F-ADC1662401D0}" type="datetimeFigureOut">
               <a:rPr lang="en-US" smtClean="0"/>
-              <a:t>5/13/2021</a:t>
+              <a:t>5/14/2021</a:t>
             </a:fld>
             <a:endParaRPr lang="en-US" dirty="0"/>
           </a:p>
@@ -6444,7 +6444,7 @@
           <a:p>
             <a:fld id="{53086D93-FCAC-47E0-A2EE-787E62CA814C}" type="datetimeFigureOut">
               <a:rPr lang="en-US" smtClean="0"/>
-              <a:t>5/13/2021</a:t>
+              <a:t>5/14/2021</a:t>
             </a:fld>
             <a:endParaRPr lang="en-US" dirty="0"/>
           </a:p>
@@ -7422,7 +7422,7 @@
           <a:p>
             <a:fld id="{CDA879A6-0FD0-4734-A311-86BFCA472E6E}" type="datetimeFigureOut">
               <a:rPr lang="en-US" smtClean="0"/>
-              <a:t>5/13/2021</a:t>
+              <a:t>5/14/2021</a:t>
             </a:fld>
             <a:endParaRPr lang="en-US" dirty="0"/>
           </a:p>
@@ -7639,7 +7639,7 @@
           <a:p>
             <a:fld id="{19C9CA7B-DFD4-44B5-8C60-D14B8CD1FB59}" type="datetimeFigureOut">
               <a:rPr lang="en-US" smtClean="0"/>
-              <a:t>5/13/2021</a:t>
+              <a:t>5/14/2021</a:t>
             </a:fld>
             <a:endParaRPr lang="en-US" dirty="0"/>
           </a:p>
@@ -8679,7 +8679,7 @@
           <a:p>
             <a:fld id="{F34E6425-0181-43F2-84FC-787E803FD2F8}" type="datetimeFigureOut">
               <a:rPr lang="en-US" smtClean="0"/>
-              <a:t>5/13/2021</a:t>
+              <a:t>5/14/2021</a:t>
             </a:fld>
             <a:endParaRPr lang="en-US" dirty="0"/>
           </a:p>
@@ -8957,7 +8957,7 @@
           <a:p>
             <a:fld id="{3BDB8791-F1B0-41E7-B7FD-A781E65C4266}" type="datetimeFigureOut">
               <a:rPr lang="en-US" smtClean="0"/>
-              <a:t>5/13/2021</a:t>
+              <a:t>5/14/2021</a:t>
             </a:fld>
             <a:endParaRPr lang="en-US" dirty="0"/>
           </a:p>
@@ -9373,7 +9373,7 @@
           <a:p>
             <a:fld id="{5FDD63B2-E120-4ED8-B27B-C685F510A5FE}" type="datetimeFigureOut">
               <a:rPr lang="en-US" smtClean="0"/>
-              <a:t>5/13/2021</a:t>
+              <a:t>5/14/2021</a:t>
             </a:fld>
             <a:endParaRPr lang="en-US" dirty="0"/>
           </a:p>
@@ -9506,7 +9506,7 @@
           <a:p>
             <a:fld id="{7AA18ACC-A947-437B-A130-35BD54FDF1E9}" type="datetimeFigureOut">
               <a:rPr lang="en-US" smtClean="0"/>
-              <a:t>5/13/2021</a:t>
+              <a:t>5/14/2021</a:t>
             </a:fld>
             <a:endParaRPr lang="en-US" dirty="0"/>
           </a:p>
@@ -9607,7 +9607,7 @@
           <a:p>
             <a:fld id="{7C8D7E02-BCB8-4D50-A234-369438C08659}" type="datetimeFigureOut">
               <a:rPr lang="en-US" smtClean="0"/>
-              <a:t>5/13/2021</a:t>
+              <a:t>5/14/2021</a:t>
             </a:fld>
             <a:endParaRPr lang="en-US" dirty="0"/>
           </a:p>
@@ -10694,7 +10694,7 @@
           <a:p>
             <a:fld id="{76E86A4C-8E40-4F87-A4F0-01A0687C5742}" type="datetimeFigureOut">
               <a:rPr lang="en-US" smtClean="0"/>
-              <a:t>5/13/2021</a:t>
+              <a:t>5/14/2021</a:t>
             </a:fld>
             <a:endParaRPr lang="en-US" dirty="0"/>
           </a:p>
@@ -11808,7 +11808,7 @@
           <a:p>
             <a:fld id="{35E72C73-2D91-4E12-BA25-F0AA0C03599B}" type="datetimeFigureOut">
               <a:rPr lang="en-US" smtClean="0"/>
-              <a:t>5/13/2021</a:t>
+              <a:t>5/14/2021</a:t>
             </a:fld>
             <a:endParaRPr lang="en-US" dirty="0"/>
           </a:p>
@@ -12811,7 +12811,7 @@
           <a:p>
             <a:fld id="{2BE451C3-0FF4-47C4-B829-773ADF60F88C}" type="datetimeFigureOut">
               <a:rPr lang="en-US" smtClean="0"/>
-              <a:t>5/13/2021</a:t>
+              <a:t>5/14/2021</a:t>
             </a:fld>
             <a:endParaRPr lang="en-US" dirty="0"/>
           </a:p>
@@ -14154,13 +14154,6 @@
               </a:rPr>
               <a:t>Создать развлекательное приложение, рассказывающее о жизни студента РТУ МИРЭА</a:t>
             </a:r>
-            <a:endParaRPr lang="ru-RU" sz="2000" dirty="0">
-              <a:solidFill>
-                <a:schemeClr val="bg1"/>
-              </a:solidFill>
-              <a:latin typeface="Verdana" panose="020B0604030504040204" pitchFamily="34" charset="0"/>
-              <a:ea typeface="Verdana" panose="020B0604030504040204" pitchFamily="34" charset="0"/>
-            </a:endParaRPr>
           </a:p>
         </p:txBody>
       </p:sp>
@@ -16328,10 +16321,6 @@
               </a:rPr>
               <a:t>которая является базовой для мобильной разработки</a:t>
             </a:r>
-            <a:endParaRPr lang="ru-RU" dirty="0">
-              <a:latin typeface="Verdana" panose="020B0604030504040204" pitchFamily="34" charset="0"/>
-              <a:ea typeface="Verdana" panose="020B0604030504040204" pitchFamily="34" charset="0"/>
-            </a:endParaRPr>
           </a:p>
         </p:txBody>
       </p:sp>
@@ -16440,26 +16429,8 @@
                 <a:latin typeface="Verdana" panose="020B0604030504040204" pitchFamily="34" charset="0"/>
                 <a:ea typeface="Verdana" panose="020B0604030504040204" pitchFamily="34" charset="0"/>
               </a:rPr>
-              <a:t>Так как все </a:t>
+              <a:t>Так как все нужные ресурсы хранятся на устройстве, то интернет-подключение для работы приложения не требуется</a:t>
             </a:r>
-            <a:r>
-              <a:rPr lang="ru-RU" dirty="0">
-                <a:latin typeface="Verdana" panose="020B0604030504040204" pitchFamily="34" charset="0"/>
-                <a:ea typeface="Verdana" panose="020B0604030504040204" pitchFamily="34" charset="0"/>
-              </a:rPr>
-              <a:t>нужные</a:t>
-            </a:r>
-            <a:r>
-              <a:rPr lang="ru-RU" dirty="0">
-                <a:latin typeface="Verdana" panose="020B0604030504040204" pitchFamily="34" charset="0"/>
-                <a:ea typeface="Verdana" panose="020B0604030504040204" pitchFamily="34" charset="0"/>
-              </a:rPr>
-              <a:t> ресурсы хранятся на устройстве, то интернет-подключение для работы приложения не требуется</a:t>
-            </a:r>
-            <a:endParaRPr lang="ru-RU" dirty="0">
-              <a:latin typeface="Verdana" panose="020B0604030504040204" pitchFamily="34" charset="0"/>
-              <a:ea typeface="Verdana" panose="020B0604030504040204" pitchFamily="34" charset="0"/>
-            </a:endParaRPr>
           </a:p>
         </p:txBody>
       </p:sp>
@@ -17099,25 +17070,129 @@
           </a:p>
         </p:txBody>
       </p:sp>
-      <p:sp>
-        <p:nvSpPr>
-          <p:cNvPr id="3" name="Объект 2"/>
-          <p:cNvSpPr>
-            <a:spLocks noGrp="1"/>
-          </p:cNvSpPr>
-          <p:nvPr>
-            <p:ph idx="1"/>
-          </p:nvPr>
-        </p:nvSpPr>
-        <p:spPr/>
-        <p:txBody>
-          <a:bodyPr/>
-          <a:lstStyle/>
-          <a:p>
-            <a:endParaRPr lang="ru-RU" dirty="0"/>
-          </a:p>
-        </p:txBody>
-      </p:sp>
+      <p:pic>
+        <p:nvPicPr>
+          <p:cNvPr id="1030" name="Picture 6" descr="https://sun9-35.userapi.com/impg/UDsXGemw93idxg_FTp3wX7ex1d4ptwYTHZobRA/6TubSc7byLU.jpg?size=1600x790&amp;quality=96&amp;sign=28bd874d20f88f4afbc839bde4212831&amp;type=album"/>
+          <p:cNvPicPr>
+            <a:picLocks noChangeAspect="1" noChangeArrowheads="1"/>
+          </p:cNvPicPr>
+          <p:nvPr/>
+        </p:nvPicPr>
+        <p:blipFill>
+          <a:blip r:embed="rId2">
+            <a:extLst>
+              <a:ext uri="{28A0092B-C50C-407E-A947-70E740481C1C}">
+                <a14:useLocalDpi xmlns:a14="http://schemas.microsoft.com/office/drawing/2010/main" val="0"/>
+              </a:ext>
+            </a:extLst>
+          </a:blip>
+          <a:srcRect/>
+          <a:stretch>
+            <a:fillRect/>
+          </a:stretch>
+        </p:blipFill>
+        <p:spPr bwMode="auto">
+          <a:xfrm>
+            <a:off x="849613" y="2316847"/>
+            <a:ext cx="4743880" cy="2342291"/>
+          </a:xfrm>
+          <a:prstGeom prst="rect">
+            <a:avLst/>
+          </a:prstGeom>
+          <a:noFill/>
+          <a:extLst>
+            <a:ext uri="{909E8E84-426E-40DD-AFC4-6F175D3DCCD1}">
+              <a14:hiddenFill xmlns:a14="http://schemas.microsoft.com/office/drawing/2010/main">
+                <a:solidFill>
+                  <a:srgbClr val="FFFFFF"/>
+                </a:solidFill>
+              </a14:hiddenFill>
+            </a:ext>
+          </a:extLst>
+        </p:spPr>
+      </p:pic>
+      <p:pic>
+        <p:nvPicPr>
+          <p:cNvPr id="1032" name="Picture 8" descr="https://sun9-35.userapi.com/impg/EYB4WetY8J4H414kpKJ_CWVokoOHSmujDQzw8g/JeJPwiQnJb4.jpg?size=1600x803&amp;quality=96&amp;sign=aded65b99f33cef2d5a793a33e120c3e&amp;type=album"/>
+          <p:cNvPicPr>
+            <a:picLocks noChangeAspect="1" noChangeArrowheads="1"/>
+          </p:cNvPicPr>
+          <p:nvPr/>
+        </p:nvPicPr>
+        <p:blipFill>
+          <a:blip r:embed="rId3">
+            <a:extLst>
+              <a:ext uri="{28A0092B-C50C-407E-A947-70E740481C1C}">
+                <a14:useLocalDpi xmlns:a14="http://schemas.microsoft.com/office/drawing/2010/main" val="0"/>
+              </a:ext>
+            </a:extLst>
+          </a:blip>
+          <a:srcRect/>
+          <a:stretch>
+            <a:fillRect/>
+          </a:stretch>
+        </p:blipFill>
+        <p:spPr bwMode="auto">
+          <a:xfrm>
+            <a:off x="6579194" y="2316846"/>
+            <a:ext cx="4667080" cy="2342291"/>
+          </a:xfrm>
+          <a:prstGeom prst="rect">
+            <a:avLst/>
+          </a:prstGeom>
+          <a:noFill/>
+          <a:extLst>
+            <a:ext uri="{909E8E84-426E-40DD-AFC4-6F175D3DCCD1}">
+              <a14:hiddenFill xmlns:a14="http://schemas.microsoft.com/office/drawing/2010/main">
+                <a:solidFill>
+                  <a:srgbClr val="FFFFFF"/>
+                </a:solidFill>
+              </a14:hiddenFill>
+            </a:ext>
+          </a:extLst>
+        </p:spPr>
+      </p:pic>
+      <p:pic>
+        <p:nvPicPr>
+          <p:cNvPr id="1034" name="Picture 10" descr="https://sun9-54.userapi.com/impg/ALgNgmCL6yPTEyrHfyIpJVT3zE7qwVcphffRxA/8vdjc8oj5c8.jpg?size=1600x807&amp;quality=96&amp;sign=8384bd4a33d650a2c58b74b36bc1ec85&amp;type=album"/>
+          <p:cNvPicPr>
+            <a:picLocks noChangeAspect="1" noChangeArrowheads="1"/>
+          </p:cNvPicPr>
+          <p:nvPr/>
+        </p:nvPicPr>
+        <p:blipFill>
+          <a:blip r:embed="rId4">
+            <a:extLst>
+              <a:ext uri="{28A0092B-C50C-407E-A947-70E740481C1C}">
+                <a14:useLocalDpi xmlns:a14="http://schemas.microsoft.com/office/drawing/2010/main" val="0"/>
+              </a:ext>
+            </a:extLst>
+          </a:blip>
+          <a:srcRect/>
+          <a:stretch>
+            <a:fillRect/>
+          </a:stretch>
+        </p:blipFill>
+        <p:spPr bwMode="auto">
+          <a:xfrm>
+            <a:off x="4044778" y="4732591"/>
+            <a:ext cx="3936742" cy="1985594"/>
+          </a:xfrm>
+          <a:prstGeom prst="rect">
+            <a:avLst/>
+          </a:prstGeom>
+          <a:noFill/>
+          <a:extLst>
+            <a:ext uri="{909E8E84-426E-40DD-AFC4-6F175D3DCCD1}">
+              <a14:hiddenFill xmlns:a14="http://schemas.microsoft.com/office/drawing/2010/main">
+                <a:solidFill>
+                  <a:srgbClr val="FFFFFF"/>
+                </a:solidFill>
+              </a14:hiddenFill>
+            </a:ext>
+          </a:extLst>
+        </p:spPr>
+      </p:pic>
     </p:spTree>
     <p:extLst>
       <p:ext uri="{BB962C8B-B14F-4D97-AF65-F5344CB8AC3E}">
@@ -17400,10 +17475,6 @@
               </a:rPr>
               <a:t>.</a:t>
             </a:r>
-            <a:endParaRPr lang="ru-RU" dirty="0" smtClean="0">
-              <a:latin typeface="Verdana" panose="020B0604030504040204" pitchFamily="34" charset="0"/>
-              <a:ea typeface="Verdana" panose="020B0604030504040204" pitchFamily="34" charset="0"/>
-            </a:endParaRPr>
           </a:p>
           <a:p>
             <a:endParaRPr lang="ru-RU" dirty="0">

--- a/Проект по Samsung.pptx
+++ b/Проект по Samsung.pptx
@@ -13,7 +13,6 @@
     <p:sldId id="260" r:id="rId7"/>
     <p:sldId id="261" r:id="rId8"/>
     <p:sldId id="262" r:id="rId9"/>
-    <p:sldId id="263" r:id="rId10"/>
   </p:sldIdLst>
   <p:sldSz cx="12192000" cy="6858000"/>
   <p:notesSz cx="6858000" cy="9144000"/>
@@ -456,7 +455,7 @@
             <a:fld id="{5923F103-BC34-4FE4-A40E-EDDEECFDA5D0}" type="datetimeFigureOut">
               <a:rPr lang="en-US" smtClean="0"/>
               <a:pPr/>
-              <a:t>5/14/2021</a:t>
+              <a:t>5/19/2021</a:t>
             </a:fld>
             <a:endParaRPr lang="en-US" dirty="0"/>
           </a:p>
@@ -1550,7 +1549,7 @@
           <a:p>
             <a:fld id="{923A1CC3-2375-41D4-9E03-427CAF2A4C1A}" type="datetimeFigureOut">
               <a:rPr lang="en-US" smtClean="0"/>
-              <a:t>5/14/2021</a:t>
+              <a:t>5/19/2021</a:t>
             </a:fld>
             <a:endParaRPr lang="en-US" dirty="0"/>
           </a:p>
@@ -2536,7 +2535,7 @@
           <a:p>
             <a:fld id="{AFF16868-8199-4C2C-A5B1-63AEE139F88E}" type="datetimeFigureOut">
               <a:rPr lang="en-US" smtClean="0"/>
-              <a:t>5/14/2021</a:t>
+              <a:t>5/19/2021</a:t>
             </a:fld>
             <a:endParaRPr lang="en-US" dirty="0"/>
           </a:p>
@@ -3676,7 +3675,7 @@
           <a:p>
             <a:fld id="{AAD9FF7F-6988-44CC-821B-644E70CD2F73}" type="datetimeFigureOut">
               <a:rPr lang="en-US" smtClean="0"/>
-              <a:t>5/14/2021</a:t>
+              <a:t>5/19/2021</a:t>
             </a:fld>
             <a:endParaRPr lang="en-US" dirty="0"/>
           </a:p>
@@ -4715,7 +4714,7 @@
           <a:p>
             <a:fld id="{5C12C299-16B2-4475-990D-751901EACC14}" type="datetimeFigureOut">
               <a:rPr lang="en-US" smtClean="0"/>
-              <a:t>5/14/2021</a:t>
+              <a:t>5/19/2021</a:t>
             </a:fld>
             <a:endParaRPr lang="en-US" dirty="0"/>
           </a:p>
@@ -5381,7 +5380,7 @@
           <a:p>
             <a:fld id="{9FE86839-B9D8-4651-8783-F325ECE74E65}" type="datetimeFigureOut">
               <a:rPr lang="en-US" smtClean="0"/>
-              <a:t>5/14/2021</a:t>
+              <a:t>5/19/2021</a:t>
             </a:fld>
             <a:endParaRPr lang="en-US" dirty="0"/>
           </a:p>
@@ -6248,7 +6247,7 @@
           <a:p>
             <a:fld id="{FD484F64-32F6-45C5-931F-ADC1662401D0}" type="datetimeFigureOut">
               <a:rPr lang="en-US" smtClean="0"/>
-              <a:t>5/14/2021</a:t>
+              <a:t>5/19/2021</a:t>
             </a:fld>
             <a:endParaRPr lang="en-US" dirty="0"/>
           </a:p>
@@ -6444,7 +6443,7 @@
           <a:p>
             <a:fld id="{53086D93-FCAC-47E0-A2EE-787E62CA814C}" type="datetimeFigureOut">
               <a:rPr lang="en-US" smtClean="0"/>
-              <a:t>5/14/2021</a:t>
+              <a:t>5/19/2021</a:t>
             </a:fld>
             <a:endParaRPr lang="en-US" dirty="0"/>
           </a:p>
@@ -7422,7 +7421,7 @@
           <a:p>
             <a:fld id="{CDA879A6-0FD0-4734-A311-86BFCA472E6E}" type="datetimeFigureOut">
               <a:rPr lang="en-US" smtClean="0"/>
-              <a:t>5/14/2021</a:t>
+              <a:t>5/19/2021</a:t>
             </a:fld>
             <a:endParaRPr lang="en-US" dirty="0"/>
           </a:p>
@@ -7639,7 +7638,7 @@
           <a:p>
             <a:fld id="{19C9CA7B-DFD4-44B5-8C60-D14B8CD1FB59}" type="datetimeFigureOut">
               <a:rPr lang="en-US" smtClean="0"/>
-              <a:t>5/14/2021</a:t>
+              <a:t>5/19/2021</a:t>
             </a:fld>
             <a:endParaRPr lang="en-US" dirty="0"/>
           </a:p>
@@ -8679,7 +8678,7 @@
           <a:p>
             <a:fld id="{F34E6425-0181-43F2-84FC-787E803FD2F8}" type="datetimeFigureOut">
               <a:rPr lang="en-US" smtClean="0"/>
-              <a:t>5/14/2021</a:t>
+              <a:t>5/19/2021</a:t>
             </a:fld>
             <a:endParaRPr lang="en-US" dirty="0"/>
           </a:p>
@@ -8957,7 +8956,7 @@
           <a:p>
             <a:fld id="{3BDB8791-F1B0-41E7-B7FD-A781E65C4266}" type="datetimeFigureOut">
               <a:rPr lang="en-US" smtClean="0"/>
-              <a:t>5/14/2021</a:t>
+              <a:t>5/19/2021</a:t>
             </a:fld>
             <a:endParaRPr lang="en-US" dirty="0"/>
           </a:p>
@@ -9373,7 +9372,7 @@
           <a:p>
             <a:fld id="{5FDD63B2-E120-4ED8-B27B-C685F510A5FE}" type="datetimeFigureOut">
               <a:rPr lang="en-US" smtClean="0"/>
-              <a:t>5/14/2021</a:t>
+              <a:t>5/19/2021</a:t>
             </a:fld>
             <a:endParaRPr lang="en-US" dirty="0"/>
           </a:p>
@@ -9506,7 +9505,7 @@
           <a:p>
             <a:fld id="{7AA18ACC-A947-437B-A130-35BD54FDF1E9}" type="datetimeFigureOut">
               <a:rPr lang="en-US" smtClean="0"/>
-              <a:t>5/14/2021</a:t>
+              <a:t>5/19/2021</a:t>
             </a:fld>
             <a:endParaRPr lang="en-US" dirty="0"/>
           </a:p>
@@ -9607,7 +9606,7 @@
           <a:p>
             <a:fld id="{7C8D7E02-BCB8-4D50-A234-369438C08659}" type="datetimeFigureOut">
               <a:rPr lang="en-US" smtClean="0"/>
-              <a:t>5/14/2021</a:t>
+              <a:t>5/19/2021</a:t>
             </a:fld>
             <a:endParaRPr lang="en-US" dirty="0"/>
           </a:p>
@@ -10694,7 +10693,7 @@
           <a:p>
             <a:fld id="{76E86A4C-8E40-4F87-A4F0-01A0687C5742}" type="datetimeFigureOut">
               <a:rPr lang="en-US" smtClean="0"/>
-              <a:t>5/14/2021</a:t>
+              <a:t>5/19/2021</a:t>
             </a:fld>
             <a:endParaRPr lang="en-US" dirty="0"/>
           </a:p>
@@ -11808,7 +11807,7 @@
           <a:p>
             <a:fld id="{35E72C73-2D91-4E12-BA25-F0AA0C03599B}" type="datetimeFigureOut">
               <a:rPr lang="en-US" smtClean="0"/>
-              <a:t>5/14/2021</a:t>
+              <a:t>5/19/2021</a:t>
             </a:fld>
             <a:endParaRPr lang="en-US" dirty="0"/>
           </a:p>
@@ -12811,7 +12810,7 @@
           <a:p>
             <a:fld id="{2BE451C3-0FF4-47C4-B829-773ADF60F88C}" type="datetimeFigureOut">
               <a:rPr lang="en-US" smtClean="0"/>
-              <a:t>5/14/2021</a:t>
+              <a:t>5/19/2021</a:t>
             </a:fld>
             <a:endParaRPr lang="en-US" dirty="0"/>
           </a:p>
@@ -14109,7 +14108,7 @@
         <p:spPr>
           <a:xfrm>
             <a:off x="3954160" y="2298700"/>
-            <a:ext cx="6856715" cy="609600"/>
+            <a:ext cx="6856715" cy="1038569"/>
           </a:xfrm>
           <a:prstGeom prst="rect">
             <a:avLst/>
@@ -14145,7 +14144,7 @@
           <a:p>
             <a:pPr algn="ctr"/>
             <a:r>
-              <a:rPr lang="ru-RU" sz="2000" dirty="0">
+              <a:rPr lang="ru-RU" sz="2400" dirty="0">
                 <a:solidFill>
                   <a:schemeClr val="bg1"/>
                 </a:solidFill>
@@ -14166,7 +14165,7 @@
         <p:spPr>
           <a:xfrm>
             <a:off x="3954160" y="3456116"/>
-            <a:ext cx="6856715" cy="2880000"/>
+            <a:ext cx="6856715" cy="1511930"/>
           </a:xfrm>
           <a:prstGeom prst="rect">
             <a:avLst/>
@@ -14205,11 +14204,11 @@
               <a:buChar char="•"/>
             </a:pPr>
             <a:r>
-              <a:rPr lang="ru-RU" sz="2000" dirty="0" smtClean="0">
+              <a:rPr lang="ru-RU" sz="2400" dirty="0" smtClean="0">
                 <a:latin typeface="Verdana" panose="020B0604030504040204" pitchFamily="34" charset="0"/>
                 <a:ea typeface="Verdana" panose="020B0604030504040204" pitchFamily="34" charset="0"/>
               </a:rPr>
-              <a:t>Рассказать в игровой форме абитуриентам о тяжелой жизни студента и подготовить их к некоторым особенностям процесса обучения</a:t>
+              <a:t>Предупреждение для абитуриентов</a:t>
             </a:r>
           </a:p>
           <a:p>
@@ -14218,11 +14217,11 @@
               <a:buChar char="•"/>
             </a:pPr>
             <a:r>
-              <a:rPr lang="ru-RU" sz="2000" dirty="0" smtClean="0">
+              <a:rPr lang="ru-RU" sz="2400" dirty="0" smtClean="0">
                 <a:latin typeface="Verdana" panose="020B0604030504040204" pitchFamily="34" charset="0"/>
                 <a:ea typeface="Verdana" panose="020B0604030504040204" pitchFamily="34" charset="0"/>
               </a:rPr>
-              <a:t>Создать виртуальную копию ВУЗа с возможностью использования приложения в качестве навигационного тренажера</a:t>
+              <a:t>Навигационный тренажёр</a:t>
             </a:r>
           </a:p>
           <a:p>
@@ -14231,13 +14230,13 @@
               <a:buChar char="•"/>
             </a:pPr>
             <a:r>
-              <a:rPr lang="ru-RU" sz="2000" dirty="0" smtClean="0">
+              <a:rPr lang="ru-RU" sz="2400" dirty="0" smtClean="0">
                 <a:latin typeface="Verdana" panose="020B0604030504040204" pitchFamily="34" charset="0"/>
                 <a:ea typeface="Verdana" panose="020B0604030504040204" pitchFamily="34" charset="0"/>
               </a:rPr>
-              <a:t>Обогатить культурное наследие сообщества студентов РТУ МИРЭА</a:t>
+              <a:t>Культурное наследие</a:t>
             </a:r>
-            <a:endParaRPr lang="ru-RU" sz="2000" dirty="0">
+            <a:endParaRPr lang="ru-RU" sz="2400" dirty="0">
               <a:latin typeface="Verdana" panose="020B0604030504040204" pitchFamily="34" charset="0"/>
               <a:ea typeface="Verdana" panose="020B0604030504040204" pitchFamily="34" charset="0"/>
             </a:endParaRPr>
@@ -14269,268 +14268,9 @@
   <p:timing>
     <p:tnLst>
       <p:par>
-        <p:cTn id="1" dur="indefinite" restart="never" nodeType="tmRoot">
-          <p:childTnLst>
-            <p:seq concurrent="1" nextAc="seek">
-              <p:cTn id="2" dur="indefinite" nodeType="mainSeq">
-                <p:childTnLst>
-                  <p:par>
-                    <p:cTn id="3" fill="hold">
-                      <p:stCondLst>
-                        <p:cond delay="indefinite"/>
-                      </p:stCondLst>
-                      <p:childTnLst>
-                        <p:par>
-                          <p:cTn id="4" fill="hold">
-                            <p:stCondLst>
-                              <p:cond delay="0"/>
-                            </p:stCondLst>
-                            <p:childTnLst>
-                              <p:par>
-                                <p:cTn id="5" presetID="22" presetClass="entr" presetSubtype="4" fill="hold" grpId="0" nodeType="clickEffect">
-                                  <p:stCondLst>
-                                    <p:cond delay="0"/>
-                                  </p:stCondLst>
-                                  <p:childTnLst>
-                                    <p:set>
-                                      <p:cBhvr>
-                                        <p:cTn id="6" dur="1" fill="hold">
-                                          <p:stCondLst>
-                                            <p:cond delay="0"/>
-                                          </p:stCondLst>
-                                        </p:cTn>
-                                        <p:tgtEl>
-                                          <p:spTgt spid="2"/>
-                                        </p:tgtEl>
-                                        <p:attrNameLst>
-                                          <p:attrName>style.visibility</p:attrName>
-                                        </p:attrNameLst>
-                                      </p:cBhvr>
-                                      <p:to>
-                                        <p:strVal val="visible"/>
-                                      </p:to>
-                                    </p:set>
-                                    <p:animEffect transition="in" filter="wipe(down)">
-                                      <p:cBhvr>
-                                        <p:cTn id="7" dur="500"/>
-                                        <p:tgtEl>
-                                          <p:spTgt spid="2"/>
-                                        </p:tgtEl>
-                                      </p:cBhvr>
-                                    </p:animEffect>
-                                  </p:childTnLst>
-                                </p:cTn>
-                              </p:par>
-                            </p:childTnLst>
-                          </p:cTn>
-                        </p:par>
-                      </p:childTnLst>
-                    </p:cTn>
-                  </p:par>
-                  <p:par>
-                    <p:cTn id="8" fill="hold">
-                      <p:stCondLst>
-                        <p:cond delay="indefinite"/>
-                      </p:stCondLst>
-                      <p:childTnLst>
-                        <p:par>
-                          <p:cTn id="9" fill="hold">
-                            <p:stCondLst>
-                              <p:cond delay="0"/>
-                            </p:stCondLst>
-                            <p:childTnLst>
-                              <p:par>
-                                <p:cTn id="10" presetID="22" presetClass="entr" presetSubtype="4" fill="hold" grpId="0" nodeType="clickEffect">
-                                  <p:stCondLst>
-                                    <p:cond delay="0"/>
-                                  </p:stCondLst>
-                                  <p:childTnLst>
-                                    <p:set>
-                                      <p:cBhvr>
-                                        <p:cTn id="11" dur="1" fill="hold">
-                                          <p:stCondLst>
-                                            <p:cond delay="0"/>
-                                          </p:stCondLst>
-                                        </p:cTn>
-                                        <p:tgtEl>
-                                          <p:spTgt spid="4"/>
-                                        </p:tgtEl>
-                                        <p:attrNameLst>
-                                          <p:attrName>style.visibility</p:attrName>
-                                        </p:attrNameLst>
-                                      </p:cBhvr>
-                                      <p:to>
-                                        <p:strVal val="visible"/>
-                                      </p:to>
-                                    </p:set>
-                                    <p:animEffect transition="in" filter="wipe(down)">
-                                      <p:cBhvr>
-                                        <p:cTn id="12" dur="500"/>
-                                        <p:tgtEl>
-                                          <p:spTgt spid="4"/>
-                                        </p:tgtEl>
-                                      </p:cBhvr>
-                                    </p:animEffect>
-                                  </p:childTnLst>
-                                </p:cTn>
-                              </p:par>
-                              <p:par>
-                                <p:cTn id="13" presetID="22" presetClass="entr" presetSubtype="4" fill="hold" grpId="0" nodeType="withEffect">
-                                  <p:stCondLst>
-                                    <p:cond delay="0"/>
-                                  </p:stCondLst>
-                                  <p:childTnLst>
-                                    <p:set>
-                                      <p:cBhvr>
-                                        <p:cTn id="14" dur="1" fill="hold">
-                                          <p:stCondLst>
-                                            <p:cond delay="0"/>
-                                          </p:stCondLst>
-                                        </p:cTn>
-                                        <p:tgtEl>
-                                          <p:spTgt spid="6"/>
-                                        </p:tgtEl>
-                                        <p:attrNameLst>
-                                          <p:attrName>style.visibility</p:attrName>
-                                        </p:attrNameLst>
-                                      </p:cBhvr>
-                                      <p:to>
-                                        <p:strVal val="visible"/>
-                                      </p:to>
-                                    </p:set>
-                                    <p:animEffect transition="in" filter="wipe(down)">
-                                      <p:cBhvr>
-                                        <p:cTn id="15" dur="500"/>
-                                        <p:tgtEl>
-                                          <p:spTgt spid="6"/>
-                                        </p:tgtEl>
-                                      </p:cBhvr>
-                                    </p:animEffect>
-                                  </p:childTnLst>
-                                </p:cTn>
-                              </p:par>
-                            </p:childTnLst>
-                          </p:cTn>
-                        </p:par>
-                      </p:childTnLst>
-                    </p:cTn>
-                  </p:par>
-                  <p:par>
-                    <p:cTn id="16" fill="hold">
-                      <p:stCondLst>
-                        <p:cond delay="indefinite"/>
-                      </p:stCondLst>
-                      <p:childTnLst>
-                        <p:par>
-                          <p:cTn id="17" fill="hold">
-                            <p:stCondLst>
-                              <p:cond delay="0"/>
-                            </p:stCondLst>
-                            <p:childTnLst>
-                              <p:par>
-                                <p:cTn id="18" presetID="22" presetClass="entr" presetSubtype="4" fill="hold" grpId="0" nodeType="clickEffect">
-                                  <p:stCondLst>
-                                    <p:cond delay="0"/>
-                                  </p:stCondLst>
-                                  <p:childTnLst>
-                                    <p:set>
-                                      <p:cBhvr>
-                                        <p:cTn id="19" dur="1" fill="hold">
-                                          <p:stCondLst>
-                                            <p:cond delay="0"/>
-                                          </p:stCondLst>
-                                        </p:cTn>
-                                        <p:tgtEl>
-                                          <p:spTgt spid="5"/>
-                                        </p:tgtEl>
-                                        <p:attrNameLst>
-                                          <p:attrName>style.visibility</p:attrName>
-                                        </p:attrNameLst>
-                                      </p:cBhvr>
-                                      <p:to>
-                                        <p:strVal val="visible"/>
-                                      </p:to>
-                                    </p:set>
-                                    <p:animEffect transition="in" filter="wipe(down)">
-                                      <p:cBhvr>
-                                        <p:cTn id="20" dur="500"/>
-                                        <p:tgtEl>
-                                          <p:spTgt spid="5"/>
-                                        </p:tgtEl>
-                                      </p:cBhvr>
-                                    </p:animEffect>
-                                  </p:childTnLst>
-                                </p:cTn>
-                              </p:par>
-                              <p:par>
-                                <p:cTn id="21" presetID="22" presetClass="entr" presetSubtype="4" fill="hold" grpId="0" nodeType="withEffect">
-                                  <p:stCondLst>
-                                    <p:cond delay="0"/>
-                                  </p:stCondLst>
-                                  <p:childTnLst>
-                                    <p:set>
-                                      <p:cBhvr>
-                                        <p:cTn id="22" dur="1" fill="hold">
-                                          <p:stCondLst>
-                                            <p:cond delay="0"/>
-                                          </p:stCondLst>
-                                        </p:cTn>
-                                        <p:tgtEl>
-                                          <p:spTgt spid="7"/>
-                                        </p:tgtEl>
-                                        <p:attrNameLst>
-                                          <p:attrName>style.visibility</p:attrName>
-                                        </p:attrNameLst>
-                                      </p:cBhvr>
-                                      <p:to>
-                                        <p:strVal val="visible"/>
-                                      </p:to>
-                                    </p:set>
-                                    <p:animEffect transition="in" filter="wipe(down)">
-                                      <p:cBhvr>
-                                        <p:cTn id="23" dur="500"/>
-                                        <p:tgtEl>
-                                          <p:spTgt spid="7"/>
-                                        </p:tgtEl>
-                                      </p:cBhvr>
-                                    </p:animEffect>
-                                  </p:childTnLst>
-                                </p:cTn>
-                              </p:par>
-                            </p:childTnLst>
-                          </p:cTn>
-                        </p:par>
-                      </p:childTnLst>
-                    </p:cTn>
-                  </p:par>
-                </p:childTnLst>
-              </p:cTn>
-              <p:prevCondLst>
-                <p:cond evt="onPrev" delay="0">
-                  <p:tgtEl>
-                    <p:sldTgt/>
-                  </p:tgtEl>
-                </p:cond>
-              </p:prevCondLst>
-              <p:nextCondLst>
-                <p:cond evt="onNext" delay="0">
-                  <p:tgtEl>
-                    <p:sldTgt/>
-                  </p:tgtEl>
-                </p:cond>
-              </p:nextCondLst>
-            </p:seq>
-          </p:childTnLst>
-        </p:cTn>
+        <p:cTn id="1" dur="indefinite" restart="never" nodeType="tmRoot"/>
       </p:par>
     </p:tnLst>
-    <p:bldLst>
-      <p:bldP spid="2" grpId="0"/>
-      <p:bldP spid="4" grpId="0" animBg="1"/>
-      <p:bldP spid="5" grpId="0" animBg="1"/>
-      <p:bldP spid="6" grpId="0" animBg="1"/>
-      <p:bldP spid="7" grpId="0" animBg="1"/>
-    </p:bldLst>
   </p:timing>
 </p:sld>
 </file>
@@ -14782,430 +14522,9 @@
   <p:timing>
     <p:tnLst>
       <p:par>
-        <p:cTn id="1" dur="indefinite" restart="never" nodeType="tmRoot">
-          <p:childTnLst>
-            <p:seq concurrent="1" nextAc="seek">
-              <p:cTn id="2" dur="indefinite" nodeType="mainSeq">
-                <p:childTnLst>
-                  <p:par>
-                    <p:cTn id="3" fill="hold">
-                      <p:stCondLst>
-                        <p:cond delay="indefinite"/>
-                      </p:stCondLst>
-                      <p:childTnLst>
-                        <p:par>
-                          <p:cTn id="4" fill="hold">
-                            <p:stCondLst>
-                              <p:cond delay="0"/>
-                            </p:stCondLst>
-                            <p:childTnLst>
-                              <p:par>
-                                <p:cTn id="5" presetID="22" presetClass="entr" presetSubtype="4" fill="hold" grpId="0" nodeType="clickEffect">
-                                  <p:stCondLst>
-                                    <p:cond delay="0"/>
-                                  </p:stCondLst>
-                                  <p:childTnLst>
-                                    <p:set>
-                                      <p:cBhvr>
-                                        <p:cTn id="6" dur="1" fill="hold">
-                                          <p:stCondLst>
-                                            <p:cond delay="0"/>
-                                          </p:stCondLst>
-                                        </p:cTn>
-                                        <p:tgtEl>
-                                          <p:spTgt spid="2"/>
-                                        </p:tgtEl>
-                                        <p:attrNameLst>
-                                          <p:attrName>style.visibility</p:attrName>
-                                        </p:attrNameLst>
-                                      </p:cBhvr>
-                                      <p:to>
-                                        <p:strVal val="visible"/>
-                                      </p:to>
-                                    </p:set>
-                                    <p:animEffect transition="in" filter="wipe(down)">
-                                      <p:cBhvr>
-                                        <p:cTn id="7" dur="500"/>
-                                        <p:tgtEl>
-                                          <p:spTgt spid="2"/>
-                                        </p:tgtEl>
-                                      </p:cBhvr>
-                                    </p:animEffect>
-                                  </p:childTnLst>
-                                </p:cTn>
-                              </p:par>
-                            </p:childTnLst>
-                          </p:cTn>
-                        </p:par>
-                      </p:childTnLst>
-                    </p:cTn>
-                  </p:par>
-                  <p:par>
-                    <p:cTn id="8" fill="hold">
-                      <p:stCondLst>
-                        <p:cond delay="indefinite"/>
-                      </p:stCondLst>
-                      <p:childTnLst>
-                        <p:par>
-                          <p:cTn id="9" fill="hold">
-                            <p:stCondLst>
-                              <p:cond delay="0"/>
-                            </p:stCondLst>
-                            <p:childTnLst>
-                              <p:par>
-                                <p:cTn id="10" presetID="42" presetClass="entr" presetSubtype="0" fill="hold" nodeType="clickEffect">
-                                  <p:stCondLst>
-                                    <p:cond delay="0"/>
-                                  </p:stCondLst>
-                                  <p:childTnLst>
-                                    <p:set>
-                                      <p:cBhvr>
-                                        <p:cTn id="11" dur="1" fill="hold">
-                                          <p:stCondLst>
-                                            <p:cond delay="0"/>
-                                          </p:stCondLst>
-                                        </p:cTn>
-                                        <p:tgtEl>
-                                          <p:spTgt spid="1026"/>
-                                        </p:tgtEl>
-                                        <p:attrNameLst>
-                                          <p:attrName>style.visibility</p:attrName>
-                                        </p:attrNameLst>
-                                      </p:cBhvr>
-                                      <p:to>
-                                        <p:strVal val="visible"/>
-                                      </p:to>
-                                    </p:set>
-                                    <p:animEffect transition="in" filter="fade">
-                                      <p:cBhvr>
-                                        <p:cTn id="12" dur="1000"/>
-                                        <p:tgtEl>
-                                          <p:spTgt spid="1026"/>
-                                        </p:tgtEl>
-                                      </p:cBhvr>
-                                    </p:animEffect>
-                                    <p:anim calcmode="lin" valueType="num">
-                                      <p:cBhvr>
-                                        <p:cTn id="13" dur="1000" fill="hold"/>
-                                        <p:tgtEl>
-                                          <p:spTgt spid="1026"/>
-                                        </p:tgtEl>
-                                        <p:attrNameLst>
-                                          <p:attrName>ppt_x</p:attrName>
-                                        </p:attrNameLst>
-                                      </p:cBhvr>
-                                      <p:tavLst>
-                                        <p:tav tm="0">
-                                          <p:val>
-                                            <p:strVal val="#ppt_x"/>
-                                          </p:val>
-                                        </p:tav>
-                                        <p:tav tm="100000">
-                                          <p:val>
-                                            <p:strVal val="#ppt_x"/>
-                                          </p:val>
-                                        </p:tav>
-                                      </p:tavLst>
-                                    </p:anim>
-                                    <p:anim calcmode="lin" valueType="num">
-                                      <p:cBhvr>
-                                        <p:cTn id="14" dur="1000" fill="hold"/>
-                                        <p:tgtEl>
-                                          <p:spTgt spid="1026"/>
-                                        </p:tgtEl>
-                                        <p:attrNameLst>
-                                          <p:attrName>ppt_y</p:attrName>
-                                        </p:attrNameLst>
-                                      </p:cBhvr>
-                                      <p:tavLst>
-                                        <p:tav tm="0">
-                                          <p:val>
-                                            <p:strVal val="#ppt_y+.1"/>
-                                          </p:val>
-                                        </p:tav>
-                                        <p:tav tm="100000">
-                                          <p:val>
-                                            <p:strVal val="#ppt_y"/>
-                                          </p:val>
-                                        </p:tav>
-                                      </p:tavLst>
-                                    </p:anim>
-                                  </p:childTnLst>
-                                </p:cTn>
-                              </p:par>
-                              <p:par>
-                                <p:cTn id="15" presetID="42" presetClass="entr" presetSubtype="0" fill="hold" nodeType="withEffect">
-                                  <p:stCondLst>
-                                    <p:cond delay="0"/>
-                                  </p:stCondLst>
-                                  <p:childTnLst>
-                                    <p:set>
-                                      <p:cBhvr>
-                                        <p:cTn id="16" dur="1" fill="hold">
-                                          <p:stCondLst>
-                                            <p:cond delay="0"/>
-                                          </p:stCondLst>
-                                        </p:cTn>
-                                        <p:tgtEl>
-                                          <p:spTgt spid="1028"/>
-                                        </p:tgtEl>
-                                        <p:attrNameLst>
-                                          <p:attrName>style.visibility</p:attrName>
-                                        </p:attrNameLst>
-                                      </p:cBhvr>
-                                      <p:to>
-                                        <p:strVal val="visible"/>
-                                      </p:to>
-                                    </p:set>
-                                    <p:animEffect transition="in" filter="fade">
-                                      <p:cBhvr>
-                                        <p:cTn id="17" dur="1000"/>
-                                        <p:tgtEl>
-                                          <p:spTgt spid="1028"/>
-                                        </p:tgtEl>
-                                      </p:cBhvr>
-                                    </p:animEffect>
-                                    <p:anim calcmode="lin" valueType="num">
-                                      <p:cBhvr>
-                                        <p:cTn id="18" dur="1000" fill="hold"/>
-                                        <p:tgtEl>
-                                          <p:spTgt spid="1028"/>
-                                        </p:tgtEl>
-                                        <p:attrNameLst>
-                                          <p:attrName>ppt_x</p:attrName>
-                                        </p:attrNameLst>
-                                      </p:cBhvr>
-                                      <p:tavLst>
-                                        <p:tav tm="0">
-                                          <p:val>
-                                            <p:strVal val="#ppt_x"/>
-                                          </p:val>
-                                        </p:tav>
-                                        <p:tav tm="100000">
-                                          <p:val>
-                                            <p:strVal val="#ppt_x"/>
-                                          </p:val>
-                                        </p:tav>
-                                      </p:tavLst>
-                                    </p:anim>
-                                    <p:anim calcmode="lin" valueType="num">
-                                      <p:cBhvr>
-                                        <p:cTn id="19" dur="1000" fill="hold"/>
-                                        <p:tgtEl>
-                                          <p:spTgt spid="1028"/>
-                                        </p:tgtEl>
-                                        <p:attrNameLst>
-                                          <p:attrName>ppt_y</p:attrName>
-                                        </p:attrNameLst>
-                                      </p:cBhvr>
-                                      <p:tavLst>
-                                        <p:tav tm="0">
-                                          <p:val>
-                                            <p:strVal val="#ppt_y+.1"/>
-                                          </p:val>
-                                        </p:tav>
-                                        <p:tav tm="100000">
-                                          <p:val>
-                                            <p:strVal val="#ppt_y"/>
-                                          </p:val>
-                                        </p:tav>
-                                      </p:tavLst>
-                                    </p:anim>
-                                  </p:childTnLst>
-                                </p:cTn>
-                              </p:par>
-                              <p:par>
-                                <p:cTn id="20" presetID="42" presetClass="entr" presetSubtype="0" fill="hold" nodeType="withEffect">
-                                  <p:stCondLst>
-                                    <p:cond delay="0"/>
-                                  </p:stCondLst>
-                                  <p:childTnLst>
-                                    <p:set>
-                                      <p:cBhvr>
-                                        <p:cTn id="21" dur="1" fill="hold">
-                                          <p:stCondLst>
-                                            <p:cond delay="0"/>
-                                          </p:stCondLst>
-                                        </p:cTn>
-                                        <p:tgtEl>
-                                          <p:spTgt spid="1030"/>
-                                        </p:tgtEl>
-                                        <p:attrNameLst>
-                                          <p:attrName>style.visibility</p:attrName>
-                                        </p:attrNameLst>
-                                      </p:cBhvr>
-                                      <p:to>
-                                        <p:strVal val="visible"/>
-                                      </p:to>
-                                    </p:set>
-                                    <p:animEffect transition="in" filter="fade">
-                                      <p:cBhvr>
-                                        <p:cTn id="22" dur="1000"/>
-                                        <p:tgtEl>
-                                          <p:spTgt spid="1030"/>
-                                        </p:tgtEl>
-                                      </p:cBhvr>
-                                    </p:animEffect>
-                                    <p:anim calcmode="lin" valueType="num">
-                                      <p:cBhvr>
-                                        <p:cTn id="23" dur="1000" fill="hold"/>
-                                        <p:tgtEl>
-                                          <p:spTgt spid="1030"/>
-                                        </p:tgtEl>
-                                        <p:attrNameLst>
-                                          <p:attrName>ppt_x</p:attrName>
-                                        </p:attrNameLst>
-                                      </p:cBhvr>
-                                      <p:tavLst>
-                                        <p:tav tm="0">
-                                          <p:val>
-                                            <p:strVal val="#ppt_x"/>
-                                          </p:val>
-                                        </p:tav>
-                                        <p:tav tm="100000">
-                                          <p:val>
-                                            <p:strVal val="#ppt_x"/>
-                                          </p:val>
-                                        </p:tav>
-                                      </p:tavLst>
-                                    </p:anim>
-                                    <p:anim calcmode="lin" valueType="num">
-                                      <p:cBhvr>
-                                        <p:cTn id="24" dur="1000" fill="hold"/>
-                                        <p:tgtEl>
-                                          <p:spTgt spid="1030"/>
-                                        </p:tgtEl>
-                                        <p:attrNameLst>
-                                          <p:attrName>ppt_y</p:attrName>
-                                        </p:attrNameLst>
-                                      </p:cBhvr>
-                                      <p:tavLst>
-                                        <p:tav tm="0">
-                                          <p:val>
-                                            <p:strVal val="#ppt_y+.1"/>
-                                          </p:val>
-                                        </p:tav>
-                                        <p:tav tm="100000">
-                                          <p:val>
-                                            <p:strVal val="#ppt_y"/>
-                                          </p:val>
-                                        </p:tav>
-                                      </p:tavLst>
-                                    </p:anim>
-                                  </p:childTnLst>
-                                </p:cTn>
-                              </p:par>
-                              <p:par>
-                                <p:cTn id="25" presetID="42" presetClass="entr" presetSubtype="0" fill="hold" nodeType="withEffect">
-                                  <p:stCondLst>
-                                    <p:cond delay="0"/>
-                                  </p:stCondLst>
-                                  <p:childTnLst>
-                                    <p:set>
-                                      <p:cBhvr>
-                                        <p:cTn id="26" dur="1" fill="hold">
-                                          <p:stCondLst>
-                                            <p:cond delay="0"/>
-                                          </p:stCondLst>
-                                        </p:cTn>
-                                        <p:tgtEl>
-                                          <p:spTgt spid="1032"/>
-                                        </p:tgtEl>
-                                        <p:attrNameLst>
-                                          <p:attrName>style.visibility</p:attrName>
-                                        </p:attrNameLst>
-                                      </p:cBhvr>
-                                      <p:to>
-                                        <p:strVal val="visible"/>
-                                      </p:to>
-                                    </p:set>
-                                    <p:animEffect transition="in" filter="fade">
-                                      <p:cBhvr>
-                                        <p:cTn id="27" dur="1000"/>
-                                        <p:tgtEl>
-                                          <p:spTgt spid="1032"/>
-                                        </p:tgtEl>
-                                      </p:cBhvr>
-                                    </p:animEffect>
-                                    <p:anim calcmode="lin" valueType="num">
-                                      <p:cBhvr>
-                                        <p:cTn id="28" dur="1000" fill="hold"/>
-                                        <p:tgtEl>
-                                          <p:spTgt spid="1032"/>
-                                        </p:tgtEl>
-                                        <p:attrNameLst>
-                                          <p:attrName>ppt_x</p:attrName>
-                                        </p:attrNameLst>
-                                      </p:cBhvr>
-                                      <p:tavLst>
-                                        <p:tav tm="0">
-                                          <p:val>
-                                            <p:strVal val="#ppt_x"/>
-                                          </p:val>
-                                        </p:tav>
-                                        <p:tav tm="100000">
-                                          <p:val>
-                                            <p:strVal val="#ppt_x"/>
-                                          </p:val>
-                                        </p:tav>
-                                      </p:tavLst>
-                                    </p:anim>
-                                    <p:anim calcmode="lin" valueType="num">
-                                      <p:cBhvr>
-                                        <p:cTn id="29" dur="1000" fill="hold"/>
-                                        <p:tgtEl>
-                                          <p:spTgt spid="1032"/>
-                                        </p:tgtEl>
-                                        <p:attrNameLst>
-                                          <p:attrName>ppt_y</p:attrName>
-                                        </p:attrNameLst>
-                                      </p:cBhvr>
-                                      <p:tavLst>
-                                        <p:tav tm="0">
-                                          <p:val>
-                                            <p:strVal val="#ppt_y+.1"/>
-                                          </p:val>
-                                        </p:tav>
-                                        <p:tav tm="100000">
-                                          <p:val>
-                                            <p:strVal val="#ppt_y"/>
-                                          </p:val>
-                                        </p:tav>
-                                      </p:tavLst>
-                                    </p:anim>
-                                  </p:childTnLst>
-                                </p:cTn>
-                              </p:par>
-                            </p:childTnLst>
-                          </p:cTn>
-                        </p:par>
-                      </p:childTnLst>
-                    </p:cTn>
-                  </p:par>
-                </p:childTnLst>
-              </p:cTn>
-              <p:prevCondLst>
-                <p:cond evt="onPrev" delay="0">
-                  <p:tgtEl>
-                    <p:sldTgt/>
-                  </p:tgtEl>
-                </p:cond>
-              </p:prevCondLst>
-              <p:nextCondLst>
-                <p:cond evt="onNext" delay="0">
-                  <p:tgtEl>
-                    <p:sldTgt/>
-                  </p:tgtEl>
-                </p:cond>
-              </p:nextCondLst>
-            </p:seq>
-          </p:childTnLst>
-        </p:cTn>
+        <p:cTn id="1" dur="indefinite" restart="never" nodeType="tmRoot"/>
       </p:par>
     </p:tnLst>
-    <p:bldLst>
-      <p:bldP spid="2" grpId="0"/>
-    </p:bldLst>
   </p:timing>
 </p:sld>
 </file>
@@ -15543,564 +14862,9 @@
   <p:timing>
     <p:tnLst>
       <p:par>
-        <p:cTn id="1" dur="indefinite" restart="never" nodeType="tmRoot">
-          <p:childTnLst>
-            <p:seq concurrent="1" nextAc="seek">
-              <p:cTn id="2" dur="indefinite" nodeType="mainSeq">
-                <p:childTnLst>
-                  <p:par>
-                    <p:cTn id="3" fill="hold">
-                      <p:stCondLst>
-                        <p:cond delay="indefinite"/>
-                      </p:stCondLst>
-                      <p:childTnLst>
-                        <p:par>
-                          <p:cTn id="4" fill="hold">
-                            <p:stCondLst>
-                              <p:cond delay="0"/>
-                            </p:stCondLst>
-                            <p:childTnLst>
-                              <p:par>
-                                <p:cTn id="5" presetID="22" presetClass="entr" presetSubtype="4" fill="hold" grpId="0" nodeType="clickEffect">
-                                  <p:stCondLst>
-                                    <p:cond delay="0"/>
-                                  </p:stCondLst>
-                                  <p:childTnLst>
-                                    <p:set>
-                                      <p:cBhvr>
-                                        <p:cTn id="6" dur="1" fill="hold">
-                                          <p:stCondLst>
-                                            <p:cond delay="0"/>
-                                          </p:stCondLst>
-                                        </p:cTn>
-                                        <p:tgtEl>
-                                          <p:spTgt spid="2"/>
-                                        </p:tgtEl>
-                                        <p:attrNameLst>
-                                          <p:attrName>style.visibility</p:attrName>
-                                        </p:attrNameLst>
-                                      </p:cBhvr>
-                                      <p:to>
-                                        <p:strVal val="visible"/>
-                                      </p:to>
-                                    </p:set>
-                                    <p:animEffect transition="in" filter="wipe(down)">
-                                      <p:cBhvr>
-                                        <p:cTn id="7" dur="500"/>
-                                        <p:tgtEl>
-                                          <p:spTgt spid="2"/>
-                                        </p:tgtEl>
-                                      </p:cBhvr>
-                                    </p:animEffect>
-                                  </p:childTnLst>
-                                </p:cTn>
-                              </p:par>
-                            </p:childTnLst>
-                          </p:cTn>
-                        </p:par>
-                      </p:childTnLst>
-                    </p:cTn>
-                  </p:par>
-                  <p:par>
-                    <p:cTn id="8" fill="hold">
-                      <p:stCondLst>
-                        <p:cond delay="indefinite"/>
-                      </p:stCondLst>
-                      <p:childTnLst>
-                        <p:par>
-                          <p:cTn id="9" fill="hold">
-                            <p:stCondLst>
-                              <p:cond delay="0"/>
-                            </p:stCondLst>
-                            <p:childTnLst>
-                              <p:par>
-                                <p:cTn id="10" presetID="42" presetClass="entr" presetSubtype="0" fill="hold" nodeType="clickEffect">
-                                  <p:stCondLst>
-                                    <p:cond delay="0"/>
-                                  </p:stCondLst>
-                                  <p:childTnLst>
-                                    <p:set>
-                                      <p:cBhvr>
-                                        <p:cTn id="11" dur="1" fill="hold">
-                                          <p:stCondLst>
-                                            <p:cond delay="0"/>
-                                          </p:stCondLst>
-                                        </p:cTn>
-                                        <p:tgtEl>
-                                          <p:spTgt spid="1026"/>
-                                        </p:tgtEl>
-                                        <p:attrNameLst>
-                                          <p:attrName>style.visibility</p:attrName>
-                                        </p:attrNameLst>
-                                      </p:cBhvr>
-                                      <p:to>
-                                        <p:strVal val="visible"/>
-                                      </p:to>
-                                    </p:set>
-                                    <p:animEffect transition="in" filter="fade">
-                                      <p:cBhvr>
-                                        <p:cTn id="12" dur="1000"/>
-                                        <p:tgtEl>
-                                          <p:spTgt spid="1026"/>
-                                        </p:tgtEl>
-                                      </p:cBhvr>
-                                    </p:animEffect>
-                                    <p:anim calcmode="lin" valueType="num">
-                                      <p:cBhvr>
-                                        <p:cTn id="13" dur="1000" fill="hold"/>
-                                        <p:tgtEl>
-                                          <p:spTgt spid="1026"/>
-                                        </p:tgtEl>
-                                        <p:attrNameLst>
-                                          <p:attrName>ppt_x</p:attrName>
-                                        </p:attrNameLst>
-                                      </p:cBhvr>
-                                      <p:tavLst>
-                                        <p:tav tm="0">
-                                          <p:val>
-                                            <p:strVal val="#ppt_x"/>
-                                          </p:val>
-                                        </p:tav>
-                                        <p:tav tm="100000">
-                                          <p:val>
-                                            <p:strVal val="#ppt_x"/>
-                                          </p:val>
-                                        </p:tav>
-                                      </p:tavLst>
-                                    </p:anim>
-                                    <p:anim calcmode="lin" valueType="num">
-                                      <p:cBhvr>
-                                        <p:cTn id="14" dur="1000" fill="hold"/>
-                                        <p:tgtEl>
-                                          <p:spTgt spid="1026"/>
-                                        </p:tgtEl>
-                                        <p:attrNameLst>
-                                          <p:attrName>ppt_y</p:attrName>
-                                        </p:attrNameLst>
-                                      </p:cBhvr>
-                                      <p:tavLst>
-                                        <p:tav tm="0">
-                                          <p:val>
-                                            <p:strVal val="#ppt_y+.1"/>
-                                          </p:val>
-                                        </p:tav>
-                                        <p:tav tm="100000">
-                                          <p:val>
-                                            <p:strVal val="#ppt_y"/>
-                                          </p:val>
-                                        </p:tav>
-                                      </p:tavLst>
-                                    </p:anim>
-                                  </p:childTnLst>
-                                </p:cTn>
-                              </p:par>
-                              <p:par>
-                                <p:cTn id="15" presetID="42" presetClass="entr" presetSubtype="0" fill="hold" nodeType="withEffect">
-                                  <p:stCondLst>
-                                    <p:cond delay="0"/>
-                                  </p:stCondLst>
-                                  <p:childTnLst>
-                                    <p:set>
-                                      <p:cBhvr>
-                                        <p:cTn id="16" dur="1" fill="hold">
-                                          <p:stCondLst>
-                                            <p:cond delay="0"/>
-                                          </p:stCondLst>
-                                        </p:cTn>
-                                        <p:tgtEl>
-                                          <p:spTgt spid="1028"/>
-                                        </p:tgtEl>
-                                        <p:attrNameLst>
-                                          <p:attrName>style.visibility</p:attrName>
-                                        </p:attrNameLst>
-                                      </p:cBhvr>
-                                      <p:to>
-                                        <p:strVal val="visible"/>
-                                      </p:to>
-                                    </p:set>
-                                    <p:animEffect transition="in" filter="fade">
-                                      <p:cBhvr>
-                                        <p:cTn id="17" dur="1000"/>
-                                        <p:tgtEl>
-                                          <p:spTgt spid="1028"/>
-                                        </p:tgtEl>
-                                      </p:cBhvr>
-                                    </p:animEffect>
-                                    <p:anim calcmode="lin" valueType="num">
-                                      <p:cBhvr>
-                                        <p:cTn id="18" dur="1000" fill="hold"/>
-                                        <p:tgtEl>
-                                          <p:spTgt spid="1028"/>
-                                        </p:tgtEl>
-                                        <p:attrNameLst>
-                                          <p:attrName>ppt_x</p:attrName>
-                                        </p:attrNameLst>
-                                      </p:cBhvr>
-                                      <p:tavLst>
-                                        <p:tav tm="0">
-                                          <p:val>
-                                            <p:strVal val="#ppt_x"/>
-                                          </p:val>
-                                        </p:tav>
-                                        <p:tav tm="100000">
-                                          <p:val>
-                                            <p:strVal val="#ppt_x"/>
-                                          </p:val>
-                                        </p:tav>
-                                      </p:tavLst>
-                                    </p:anim>
-                                    <p:anim calcmode="lin" valueType="num">
-                                      <p:cBhvr>
-                                        <p:cTn id="19" dur="1000" fill="hold"/>
-                                        <p:tgtEl>
-                                          <p:spTgt spid="1028"/>
-                                        </p:tgtEl>
-                                        <p:attrNameLst>
-                                          <p:attrName>ppt_y</p:attrName>
-                                        </p:attrNameLst>
-                                      </p:cBhvr>
-                                      <p:tavLst>
-                                        <p:tav tm="0">
-                                          <p:val>
-                                            <p:strVal val="#ppt_y+.1"/>
-                                          </p:val>
-                                        </p:tav>
-                                        <p:tav tm="100000">
-                                          <p:val>
-                                            <p:strVal val="#ppt_y"/>
-                                          </p:val>
-                                        </p:tav>
-                                      </p:tavLst>
-                                    </p:anim>
-                                  </p:childTnLst>
-                                </p:cTn>
-                              </p:par>
-                              <p:par>
-                                <p:cTn id="20" presetID="42" presetClass="entr" presetSubtype="0" fill="hold" nodeType="withEffect">
-                                  <p:stCondLst>
-                                    <p:cond delay="0"/>
-                                  </p:stCondLst>
-                                  <p:childTnLst>
-                                    <p:set>
-                                      <p:cBhvr>
-                                        <p:cTn id="21" dur="1" fill="hold">
-                                          <p:stCondLst>
-                                            <p:cond delay="0"/>
-                                          </p:stCondLst>
-                                        </p:cTn>
-                                        <p:tgtEl>
-                                          <p:spTgt spid="1030"/>
-                                        </p:tgtEl>
-                                        <p:attrNameLst>
-                                          <p:attrName>style.visibility</p:attrName>
-                                        </p:attrNameLst>
-                                      </p:cBhvr>
-                                      <p:to>
-                                        <p:strVal val="visible"/>
-                                      </p:to>
-                                    </p:set>
-                                    <p:animEffect transition="in" filter="fade">
-                                      <p:cBhvr>
-                                        <p:cTn id="22" dur="1000"/>
-                                        <p:tgtEl>
-                                          <p:spTgt spid="1030"/>
-                                        </p:tgtEl>
-                                      </p:cBhvr>
-                                    </p:animEffect>
-                                    <p:anim calcmode="lin" valueType="num">
-                                      <p:cBhvr>
-                                        <p:cTn id="23" dur="1000" fill="hold"/>
-                                        <p:tgtEl>
-                                          <p:spTgt spid="1030"/>
-                                        </p:tgtEl>
-                                        <p:attrNameLst>
-                                          <p:attrName>ppt_x</p:attrName>
-                                        </p:attrNameLst>
-                                      </p:cBhvr>
-                                      <p:tavLst>
-                                        <p:tav tm="0">
-                                          <p:val>
-                                            <p:strVal val="#ppt_x"/>
-                                          </p:val>
-                                        </p:tav>
-                                        <p:tav tm="100000">
-                                          <p:val>
-                                            <p:strVal val="#ppt_x"/>
-                                          </p:val>
-                                        </p:tav>
-                                      </p:tavLst>
-                                    </p:anim>
-                                    <p:anim calcmode="lin" valueType="num">
-                                      <p:cBhvr>
-                                        <p:cTn id="24" dur="1000" fill="hold"/>
-                                        <p:tgtEl>
-                                          <p:spTgt spid="1030"/>
-                                        </p:tgtEl>
-                                        <p:attrNameLst>
-                                          <p:attrName>ppt_y</p:attrName>
-                                        </p:attrNameLst>
-                                      </p:cBhvr>
-                                      <p:tavLst>
-                                        <p:tav tm="0">
-                                          <p:val>
-                                            <p:strVal val="#ppt_y+.1"/>
-                                          </p:val>
-                                        </p:tav>
-                                        <p:tav tm="100000">
-                                          <p:val>
-                                            <p:strVal val="#ppt_y"/>
-                                          </p:val>
-                                        </p:tav>
-                                      </p:tavLst>
-                                    </p:anim>
-                                  </p:childTnLst>
-                                </p:cTn>
-                              </p:par>
-                              <p:par>
-                                <p:cTn id="25" presetID="42" presetClass="entr" presetSubtype="0" fill="hold" nodeType="withEffect">
-                                  <p:stCondLst>
-                                    <p:cond delay="0"/>
-                                  </p:stCondLst>
-                                  <p:childTnLst>
-                                    <p:set>
-                                      <p:cBhvr>
-                                        <p:cTn id="26" dur="1" fill="hold">
-                                          <p:stCondLst>
-                                            <p:cond delay="0"/>
-                                          </p:stCondLst>
-                                        </p:cTn>
-                                        <p:tgtEl>
-                                          <p:spTgt spid="1032"/>
-                                        </p:tgtEl>
-                                        <p:attrNameLst>
-                                          <p:attrName>style.visibility</p:attrName>
-                                        </p:attrNameLst>
-                                      </p:cBhvr>
-                                      <p:to>
-                                        <p:strVal val="visible"/>
-                                      </p:to>
-                                    </p:set>
-                                    <p:animEffect transition="in" filter="fade">
-                                      <p:cBhvr>
-                                        <p:cTn id="27" dur="1000"/>
-                                        <p:tgtEl>
-                                          <p:spTgt spid="1032"/>
-                                        </p:tgtEl>
-                                      </p:cBhvr>
-                                    </p:animEffect>
-                                    <p:anim calcmode="lin" valueType="num">
-                                      <p:cBhvr>
-                                        <p:cTn id="28" dur="1000" fill="hold"/>
-                                        <p:tgtEl>
-                                          <p:spTgt spid="1032"/>
-                                        </p:tgtEl>
-                                        <p:attrNameLst>
-                                          <p:attrName>ppt_x</p:attrName>
-                                        </p:attrNameLst>
-                                      </p:cBhvr>
-                                      <p:tavLst>
-                                        <p:tav tm="0">
-                                          <p:val>
-                                            <p:strVal val="#ppt_x"/>
-                                          </p:val>
-                                        </p:tav>
-                                        <p:tav tm="100000">
-                                          <p:val>
-                                            <p:strVal val="#ppt_x"/>
-                                          </p:val>
-                                        </p:tav>
-                                      </p:tavLst>
-                                    </p:anim>
-                                    <p:anim calcmode="lin" valueType="num">
-                                      <p:cBhvr>
-                                        <p:cTn id="29" dur="1000" fill="hold"/>
-                                        <p:tgtEl>
-                                          <p:spTgt spid="1032"/>
-                                        </p:tgtEl>
-                                        <p:attrNameLst>
-                                          <p:attrName>ppt_y</p:attrName>
-                                        </p:attrNameLst>
-                                      </p:cBhvr>
-                                      <p:tavLst>
-                                        <p:tav tm="0">
-                                          <p:val>
-                                            <p:strVal val="#ppt_y+.1"/>
-                                          </p:val>
-                                        </p:tav>
-                                        <p:tav tm="100000">
-                                          <p:val>
-                                            <p:strVal val="#ppt_y"/>
-                                          </p:val>
-                                        </p:tav>
-                                      </p:tavLst>
-                                    </p:anim>
-                                  </p:childTnLst>
-                                </p:cTn>
-                              </p:par>
-                              <p:par>
-                                <p:cTn id="30" presetID="42" presetClass="entr" presetSubtype="0" fill="hold" nodeType="withEffect">
-                                  <p:stCondLst>
-                                    <p:cond delay="0"/>
-                                  </p:stCondLst>
-                                  <p:childTnLst>
-                                    <p:set>
-                                      <p:cBhvr>
-                                        <p:cTn id="31" dur="1" fill="hold">
-                                          <p:stCondLst>
-                                            <p:cond delay="0"/>
-                                          </p:stCondLst>
-                                        </p:cTn>
-                                        <p:tgtEl>
-                                          <p:spTgt spid="1034"/>
-                                        </p:tgtEl>
-                                        <p:attrNameLst>
-                                          <p:attrName>style.visibility</p:attrName>
-                                        </p:attrNameLst>
-                                      </p:cBhvr>
-                                      <p:to>
-                                        <p:strVal val="visible"/>
-                                      </p:to>
-                                    </p:set>
-                                    <p:animEffect transition="in" filter="fade">
-                                      <p:cBhvr>
-                                        <p:cTn id="32" dur="1000"/>
-                                        <p:tgtEl>
-                                          <p:spTgt spid="1034"/>
-                                        </p:tgtEl>
-                                      </p:cBhvr>
-                                    </p:animEffect>
-                                    <p:anim calcmode="lin" valueType="num">
-                                      <p:cBhvr>
-                                        <p:cTn id="33" dur="1000" fill="hold"/>
-                                        <p:tgtEl>
-                                          <p:spTgt spid="1034"/>
-                                        </p:tgtEl>
-                                        <p:attrNameLst>
-                                          <p:attrName>ppt_x</p:attrName>
-                                        </p:attrNameLst>
-                                      </p:cBhvr>
-                                      <p:tavLst>
-                                        <p:tav tm="0">
-                                          <p:val>
-                                            <p:strVal val="#ppt_x"/>
-                                          </p:val>
-                                        </p:tav>
-                                        <p:tav tm="100000">
-                                          <p:val>
-                                            <p:strVal val="#ppt_x"/>
-                                          </p:val>
-                                        </p:tav>
-                                      </p:tavLst>
-                                    </p:anim>
-                                    <p:anim calcmode="lin" valueType="num">
-                                      <p:cBhvr>
-                                        <p:cTn id="34" dur="1000" fill="hold"/>
-                                        <p:tgtEl>
-                                          <p:spTgt spid="1034"/>
-                                        </p:tgtEl>
-                                        <p:attrNameLst>
-                                          <p:attrName>ppt_y</p:attrName>
-                                        </p:attrNameLst>
-                                      </p:cBhvr>
-                                      <p:tavLst>
-                                        <p:tav tm="0">
-                                          <p:val>
-                                            <p:strVal val="#ppt_y+.1"/>
-                                          </p:val>
-                                        </p:tav>
-                                        <p:tav tm="100000">
-                                          <p:val>
-                                            <p:strVal val="#ppt_y"/>
-                                          </p:val>
-                                        </p:tav>
-                                      </p:tavLst>
-                                    </p:anim>
-                                  </p:childTnLst>
-                                </p:cTn>
-                              </p:par>
-                            </p:childTnLst>
-                          </p:cTn>
-                        </p:par>
-                      </p:childTnLst>
-                    </p:cTn>
-                  </p:par>
-                  <p:par>
-                    <p:cTn id="35" fill="hold">
-                      <p:stCondLst>
-                        <p:cond delay="indefinite"/>
-                      </p:stCondLst>
-                      <p:childTnLst>
-                        <p:par>
-                          <p:cTn id="36" fill="hold">
-                            <p:stCondLst>
-                              <p:cond delay="0"/>
-                            </p:stCondLst>
-                            <p:childTnLst>
-                              <p:par>
-                                <p:cTn id="37" presetID="14" presetClass="entr" presetSubtype="10" fill="hold" nodeType="clickEffect">
-                                  <p:stCondLst>
-                                    <p:cond delay="0"/>
-                                  </p:stCondLst>
-                                  <p:childTnLst>
-                                    <p:set>
-                                      <p:cBhvr>
-                                        <p:cTn id="38" dur="1" fill="hold">
-                                          <p:stCondLst>
-                                            <p:cond delay="0"/>
-                                          </p:stCondLst>
-                                        </p:cTn>
-                                        <p:tgtEl>
-                                          <p:spTgt spid="1038"/>
-                                        </p:tgtEl>
-                                        <p:attrNameLst>
-                                          <p:attrName>style.visibility</p:attrName>
-                                        </p:attrNameLst>
-                                      </p:cBhvr>
-                                      <p:to>
-                                        <p:strVal val="visible"/>
-                                      </p:to>
-                                    </p:set>
-                                    <p:animEffect transition="in" filter="randombar(horizontal)">
-                                      <p:cBhvr>
-                                        <p:cTn id="39" dur="500"/>
-                                        <p:tgtEl>
-                                          <p:spTgt spid="1038"/>
-                                        </p:tgtEl>
-                                      </p:cBhvr>
-                                    </p:animEffect>
-                                  </p:childTnLst>
-                                </p:cTn>
-                              </p:par>
-                            </p:childTnLst>
-                          </p:cTn>
-                        </p:par>
-                      </p:childTnLst>
-                    </p:cTn>
-                  </p:par>
-                </p:childTnLst>
-              </p:cTn>
-              <p:prevCondLst>
-                <p:cond evt="onPrev" delay="0">
-                  <p:tgtEl>
-                    <p:sldTgt/>
-                  </p:tgtEl>
-                </p:cond>
-              </p:prevCondLst>
-              <p:nextCondLst>
-                <p:cond evt="onNext" delay="0">
-                  <p:tgtEl>
-                    <p:sldTgt/>
-                  </p:tgtEl>
-                </p:cond>
-              </p:nextCondLst>
-            </p:seq>
-          </p:childTnLst>
-        </p:cTn>
+        <p:cTn id="1" dur="indefinite" restart="never" nodeType="tmRoot"/>
       </p:par>
     </p:tnLst>
-    <p:bldLst>
-      <p:bldP spid="2" grpId="0"/>
-    </p:bldLst>
   </p:timing>
 </p:sld>
 </file>
@@ -16209,48 +14973,20 @@
           <a:p>
             <a:pPr algn="ctr"/>
             <a:r>
-              <a:rPr lang="ru-RU" dirty="0" smtClean="0">
+              <a:rPr lang="ru-RU" sz="2400" dirty="0" smtClean="0">
                 <a:latin typeface="Verdana" panose="020B0604030504040204" pitchFamily="34" charset="0"/>
                 <a:ea typeface="Verdana" panose="020B0604030504040204" pitchFamily="34" charset="0"/>
               </a:rPr>
               <a:t>Фреймворк </a:t>
             </a:r>
             <a:r>
-              <a:rPr lang="en-US" dirty="0" err="1" smtClean="0">
+              <a:rPr lang="en-US" sz="2400" dirty="0" err="1" smtClean="0">
                 <a:latin typeface="Verdana" panose="020B0604030504040204" pitchFamily="34" charset="0"/>
                 <a:ea typeface="Verdana" panose="020B0604030504040204" pitchFamily="34" charset="0"/>
               </a:rPr>
               <a:t>LibGDX</a:t>
             </a:r>
-            <a:r>
-              <a:rPr lang="en-US" dirty="0" smtClean="0">
-                <a:latin typeface="Verdana" panose="020B0604030504040204" pitchFamily="34" charset="0"/>
-                <a:ea typeface="Verdana" panose="020B0604030504040204" pitchFamily="34" charset="0"/>
-              </a:rPr>
-              <a:t> </a:t>
-            </a:r>
-            <a:r>
-              <a:rPr lang="ru-RU" dirty="0" smtClean="0">
-                <a:latin typeface="Verdana" panose="020B0604030504040204" pitchFamily="34" charset="0"/>
-                <a:ea typeface="Verdana" panose="020B0604030504040204" pitchFamily="34" charset="0"/>
-              </a:rPr>
-              <a:t>оптимально использует ресурсы мобильного устройства и делает размер </a:t>
-            </a:r>
-            <a:r>
-              <a:rPr lang="ru-RU" dirty="0">
-                <a:latin typeface="Verdana" panose="020B0604030504040204" pitchFamily="34" charset="0"/>
-                <a:ea typeface="Verdana" panose="020B0604030504040204" pitchFamily="34" charset="0"/>
-              </a:rPr>
-              <a:t>установочного</a:t>
-            </a:r>
-            <a:r>
-              <a:rPr lang="ru-RU" dirty="0" smtClean="0">
-                <a:latin typeface="Verdana" panose="020B0604030504040204" pitchFamily="34" charset="0"/>
-                <a:ea typeface="Verdana" panose="020B0604030504040204" pitchFamily="34" charset="0"/>
-              </a:rPr>
-              <a:t> файла меньше аналогов, написанных на других игровых движках</a:t>
-            </a:r>
-            <a:endParaRPr lang="ru-RU" dirty="0">
+            <a:endParaRPr lang="ru-RU" sz="2400" dirty="0">
               <a:latin typeface="Verdana" panose="020B0604030504040204" pitchFamily="34" charset="0"/>
               <a:ea typeface="Verdana" panose="020B0604030504040204" pitchFamily="34" charset="0"/>
             </a:endParaRPr>
@@ -16301,26 +15037,23 @@
           <a:p>
             <a:pPr algn="ctr"/>
             <a:r>
-              <a:rPr lang="ru-RU" dirty="0">
+              <a:rPr lang="ru-RU" sz="2400" dirty="0" smtClean="0">
                 <a:latin typeface="Verdana" panose="020B0604030504040204" pitchFamily="34" charset="0"/>
                 <a:ea typeface="Verdana" panose="020B0604030504040204" pitchFamily="34" charset="0"/>
               </a:rPr>
-              <a:t>Приложение исполняется на платформе </a:t>
+              <a:t>Платформа </a:t>
             </a:r>
             <a:r>
-              <a:rPr lang="en-US" dirty="0">
+              <a:rPr lang="en-US" sz="2400" dirty="0" smtClean="0">
                 <a:latin typeface="Verdana" panose="020B0604030504040204" pitchFamily="34" charset="0"/>
                 <a:ea typeface="Verdana" panose="020B0604030504040204" pitchFamily="34" charset="0"/>
               </a:rPr>
-              <a:t>JVM, </a:t>
+              <a:t>JVM</a:t>
             </a:r>
-            <a:r>
-              <a:rPr lang="ru-RU" dirty="0">
-                <a:latin typeface="Verdana" panose="020B0604030504040204" pitchFamily="34" charset="0"/>
-                <a:ea typeface="Verdana" panose="020B0604030504040204" pitchFamily="34" charset="0"/>
-              </a:rPr>
-              <a:t>которая является базовой для мобильной разработки</a:t>
-            </a:r>
+            <a:endParaRPr lang="ru-RU" sz="2400" dirty="0">
+              <a:latin typeface="Verdana" panose="020B0604030504040204" pitchFamily="34" charset="0"/>
+              <a:ea typeface="Verdana" panose="020B0604030504040204" pitchFamily="34" charset="0"/>
+            </a:endParaRPr>
           </a:p>
         </p:txBody>
       </p:sp>
@@ -16368,13 +15101,13 @@
           <a:p>
             <a:pPr algn="ctr"/>
             <a:r>
-              <a:rPr lang="ru-RU" dirty="0" smtClean="0">
+              <a:rPr lang="ru-RU" sz="2400" dirty="0" smtClean="0">
                 <a:latin typeface="Verdana" panose="020B0604030504040204" pitchFamily="34" charset="0"/>
                 <a:ea typeface="Verdana" panose="020B0604030504040204" pitchFamily="34" charset="0"/>
               </a:rPr>
-              <a:t>Приложение обладает интуитивно понятным и минималистичным интерфейсом, позволяющим быстро влиться в игровой процесс</a:t>
+              <a:t>Понятный интерфейс</a:t>
             </a:r>
-            <a:endParaRPr lang="ru-RU" dirty="0">
+            <a:endParaRPr lang="ru-RU" sz="2400" dirty="0">
               <a:latin typeface="Verdana" panose="020B0604030504040204" pitchFamily="34" charset="0"/>
               <a:ea typeface="Verdana" panose="020B0604030504040204" pitchFamily="34" charset="0"/>
             </a:endParaRPr>
@@ -16425,12 +15158,16 @@
           <a:p>
             <a:pPr algn="ctr"/>
             <a:r>
-              <a:rPr lang="ru-RU" dirty="0">
+              <a:rPr lang="ru-RU" sz="2400" dirty="0" err="1" smtClean="0">
                 <a:latin typeface="Verdana" panose="020B0604030504040204" pitchFamily="34" charset="0"/>
                 <a:ea typeface="Verdana" panose="020B0604030504040204" pitchFamily="34" charset="0"/>
               </a:rPr>
-              <a:t>Так как все нужные ресурсы хранятся на устройстве, то интернет-подключение для работы приложения не требуется</a:t>
+              <a:t>Оффлайн</a:t>
             </a:r>
+            <a:endParaRPr lang="ru-RU" sz="2400" dirty="0">
+              <a:latin typeface="Verdana" panose="020B0604030504040204" pitchFamily="34" charset="0"/>
+              <a:ea typeface="Verdana" panose="020B0604030504040204" pitchFamily="34" charset="0"/>
+            </a:endParaRPr>
           </a:p>
         </p:txBody>
       </p:sp>
@@ -16490,7 +15227,7 @@
                                           </p:stCondLst>
                                         </p:cTn>
                                         <p:tgtEl>
-                                          <p:spTgt spid="2"/>
+                                          <p:spTgt spid="9"/>
                                         </p:tgtEl>
                                         <p:attrNameLst>
                                           <p:attrName>style.visibility</p:attrName>
@@ -16504,219 +15241,7 @@
                                       <p:cBhvr>
                                         <p:cTn id="7" dur="500"/>
                                         <p:tgtEl>
-                                          <p:spTgt spid="2"/>
-                                        </p:tgtEl>
-                                      </p:cBhvr>
-                                    </p:animEffect>
-                                  </p:childTnLst>
-                                </p:cTn>
-                              </p:par>
-                            </p:childTnLst>
-                          </p:cTn>
-                        </p:par>
-                      </p:childTnLst>
-                    </p:cTn>
-                  </p:par>
-                  <p:par>
-                    <p:cTn id="8" fill="hold">
-                      <p:stCondLst>
-                        <p:cond delay="indefinite"/>
-                      </p:stCondLst>
-                      <p:childTnLst>
-                        <p:par>
-                          <p:cTn id="9" fill="hold">
-                            <p:stCondLst>
-                              <p:cond delay="0"/>
-                            </p:stCondLst>
-                            <p:childTnLst>
-                              <p:par>
-                                <p:cTn id="10" presetID="22" presetClass="entr" presetSubtype="4" fill="hold" grpId="0" nodeType="clickEffect">
-                                  <p:stCondLst>
-                                    <p:cond delay="0"/>
-                                  </p:stCondLst>
-                                  <p:childTnLst>
-                                    <p:set>
-                                      <p:cBhvr>
-                                        <p:cTn id="11" dur="1" fill="hold">
-                                          <p:stCondLst>
-                                            <p:cond delay="0"/>
-                                          </p:stCondLst>
-                                        </p:cTn>
-                                        <p:tgtEl>
-                                          <p:spTgt spid="11"/>
-                                        </p:tgtEl>
-                                        <p:attrNameLst>
-                                          <p:attrName>style.visibility</p:attrName>
-                                        </p:attrNameLst>
-                                      </p:cBhvr>
-                                      <p:to>
-                                        <p:strVal val="visible"/>
-                                      </p:to>
-                                    </p:set>
-                                    <p:animEffect transition="in" filter="wipe(down)">
-                                      <p:cBhvr>
-                                        <p:cTn id="12" dur="500"/>
-                                        <p:tgtEl>
-                                          <p:spTgt spid="11"/>
-                                        </p:tgtEl>
-                                      </p:cBhvr>
-                                    </p:animEffect>
-                                  </p:childTnLst>
-                                </p:cTn>
-                              </p:par>
-                            </p:childTnLst>
-                          </p:cTn>
-                        </p:par>
-                      </p:childTnLst>
-                    </p:cTn>
-                  </p:par>
-                  <p:par>
-                    <p:cTn id="13" fill="hold">
-                      <p:stCondLst>
-                        <p:cond delay="indefinite"/>
-                      </p:stCondLst>
-                      <p:childTnLst>
-                        <p:par>
-                          <p:cTn id="14" fill="hold">
-                            <p:stCondLst>
-                              <p:cond delay="0"/>
-                            </p:stCondLst>
-                            <p:childTnLst>
-                              <p:par>
-                                <p:cTn id="15" presetID="22" presetClass="entr" presetSubtype="4" fill="hold" grpId="0" nodeType="clickEffect">
-                                  <p:stCondLst>
-                                    <p:cond delay="0"/>
-                                  </p:stCondLst>
-                                  <p:childTnLst>
-                                    <p:set>
-                                      <p:cBhvr>
-                                        <p:cTn id="16" dur="1" fill="hold">
-                                          <p:stCondLst>
-                                            <p:cond delay="0"/>
-                                          </p:stCondLst>
-                                        </p:cTn>
-                                        <p:tgtEl>
-                                          <p:spTgt spid="7"/>
-                                        </p:tgtEl>
-                                        <p:attrNameLst>
-                                          <p:attrName>style.visibility</p:attrName>
-                                        </p:attrNameLst>
-                                      </p:cBhvr>
-                                      <p:to>
-                                        <p:strVal val="visible"/>
-                                      </p:to>
-                                    </p:set>
-                                    <p:animEffect transition="in" filter="wipe(down)">
-                                      <p:cBhvr>
-                                        <p:cTn id="17" dur="500"/>
-                                        <p:tgtEl>
-                                          <p:spTgt spid="7"/>
-                                        </p:tgtEl>
-                                      </p:cBhvr>
-                                    </p:animEffect>
-                                  </p:childTnLst>
-                                </p:cTn>
-                              </p:par>
-                            </p:childTnLst>
-                          </p:cTn>
-                        </p:par>
-                      </p:childTnLst>
-                    </p:cTn>
-                  </p:par>
-                  <p:par>
-                    <p:cTn id="18" fill="hold">
-                      <p:stCondLst>
-                        <p:cond delay="indefinite"/>
-                      </p:stCondLst>
-                      <p:childTnLst>
-                        <p:par>
-                          <p:cTn id="19" fill="hold">
-                            <p:stCondLst>
-                              <p:cond delay="0"/>
-                            </p:stCondLst>
-                            <p:childTnLst>
-                              <p:par>
-                                <p:cTn id="20" presetID="22" presetClass="entr" presetSubtype="4" fill="hold" grpId="0" nodeType="clickEffect">
-                                  <p:stCondLst>
-                                    <p:cond delay="0"/>
-                                  </p:stCondLst>
-                                  <p:childTnLst>
-                                    <p:set>
-                                      <p:cBhvr>
-                                        <p:cTn id="21" dur="1" fill="hold">
-                                          <p:stCondLst>
-                                            <p:cond delay="0"/>
-                                          </p:stCondLst>
-                                        </p:cTn>
-                                        <p:tgtEl>
                                           <p:spTgt spid="9"/>
-                                        </p:tgtEl>
-                                        <p:attrNameLst>
-                                          <p:attrName>style.visibility</p:attrName>
-                                        </p:attrNameLst>
-                                      </p:cBhvr>
-                                      <p:to>
-                                        <p:strVal val="visible"/>
-                                      </p:to>
-                                    </p:set>
-                                    <p:animEffect transition="in" filter="wipe(down)">
-                                      <p:cBhvr>
-                                        <p:cTn id="22" dur="500"/>
-                                        <p:tgtEl>
-                                          <p:spTgt spid="9"/>
-                                        </p:tgtEl>
-                                      </p:cBhvr>
-                                    </p:animEffect>
-                                  </p:childTnLst>
-                                </p:cTn>
-                              </p:par>
-                            </p:childTnLst>
-                          </p:cTn>
-                        </p:par>
-                      </p:childTnLst>
-                    </p:cTn>
-                  </p:par>
-                  <p:par>
-                    <p:cTn id="23" fill="hold">
-                      <p:stCondLst>
-                        <p:cond delay="indefinite"/>
-                      </p:stCondLst>
-                      <p:childTnLst>
-                        <p:par>
-                          <p:cTn id="24" fill="hold">
-                            <p:stCondLst>
-                              <p:cond delay="0"/>
-                            </p:stCondLst>
-                            <p:childTnLst>
-                              <p:par>
-                                <p:cTn id="25" presetID="22" presetClass="entr" presetSubtype="4" fill="hold" grpId="0" nodeType="clickEffect">
-                                  <p:stCondLst>
-                                    <p:cond delay="0"/>
-                                  </p:stCondLst>
-                                  <p:childTnLst>
-                                    <p:set>
-                                      <p:cBhvr>
-                                        <p:cTn id="26" dur="1" fill="hold">
-                                          <p:stCondLst>
-                                            <p:cond delay="0"/>
-                                          </p:stCondLst>
-                                        </p:cTn>
-                                        <p:tgtEl>
-                                          <p:spTgt spid="10"/>
-                                        </p:tgtEl>
-                                        <p:attrNameLst>
-                                          <p:attrName>style.visibility</p:attrName>
-                                        </p:attrNameLst>
-                                      </p:cBhvr>
-                                      <p:to>
-                                        <p:strVal val="visible"/>
-                                      </p:to>
-                                    </p:set>
-                                    <p:animEffect transition="in" filter="wipe(down)">
-                                      <p:cBhvr>
-                                        <p:cTn id="27" dur="500"/>
-                                        <p:tgtEl>
-                                          <p:spTgt spid="10"/>
                                         </p:tgtEl>
                                       </p:cBhvr>
                                     </p:animEffect>
@@ -16751,11 +15276,7 @@
       </p:par>
     </p:tnLst>
     <p:bldLst>
-      <p:bldP spid="2" grpId="0"/>
-      <p:bldP spid="11" grpId="0" animBg="1"/>
-      <p:bldP spid="7" grpId="0" animBg="1"/>
       <p:bldP spid="9" grpId="0" animBg="1"/>
-      <p:bldP spid="10" grpId="0" animBg="1"/>
     </p:bldLst>
   </p:timing>
 </p:sld>
@@ -16926,88 +15447,9 @@
   <p:timing>
     <p:tnLst>
       <p:par>
-        <p:cTn id="1" dur="indefinite" restart="never" nodeType="tmRoot">
-          <p:childTnLst>
-            <p:seq concurrent="1" nextAc="seek">
-              <p:cTn id="2" dur="indefinite" nodeType="mainSeq">
-                <p:childTnLst>
-                  <p:par>
-                    <p:cTn id="3" fill="hold">
-                      <p:stCondLst>
-                        <p:cond delay="indefinite"/>
-                      </p:stCondLst>
-                      <p:childTnLst>
-                        <p:par>
-                          <p:cTn id="4" fill="hold">
-                            <p:stCondLst>
-                              <p:cond delay="0"/>
-                            </p:stCondLst>
-                            <p:childTnLst>
-                              <p:par>
-                                <p:cTn id="5" presetID="22" presetClass="entr" presetSubtype="4" fill="hold" grpId="0" nodeType="clickEffect">
-                                  <p:stCondLst>
-                                    <p:cond delay="0"/>
-                                  </p:stCondLst>
-                                  <p:childTnLst>
-                                    <p:set>
-                                      <p:cBhvr>
-                                        <p:cTn id="6" dur="1" fill="hold">
-                                          <p:stCondLst>
-                                            <p:cond delay="0"/>
-                                          </p:stCondLst>
-                                        </p:cTn>
-                                        <p:tgtEl>
-                                          <p:spTgt spid="2"/>
-                                        </p:tgtEl>
-                                        <p:attrNameLst>
-                                          <p:attrName>style.visibility</p:attrName>
-                                        </p:attrNameLst>
-                                      </p:cBhvr>
-                                      <p:to>
-                                        <p:strVal val="visible"/>
-                                      </p:to>
-                                    </p:set>
-                                    <p:animEffect transition="in" filter="wipe(down)">
-                                      <p:cBhvr>
-                                        <p:cTn id="7" dur="500"/>
-                                        <p:tgtEl>
-                                          <p:spTgt spid="2"/>
-                                        </p:tgtEl>
-                                      </p:cBhvr>
-                                    </p:animEffect>
-                                  </p:childTnLst>
-                                </p:cTn>
-                              </p:par>
-                            </p:childTnLst>
-                          </p:cTn>
-                        </p:par>
-                      </p:childTnLst>
-                    </p:cTn>
-                  </p:par>
-                </p:childTnLst>
-              </p:cTn>
-              <p:prevCondLst>
-                <p:cond evt="onPrev" delay="0">
-                  <p:tgtEl>
-                    <p:sldTgt/>
-                  </p:tgtEl>
-                </p:cond>
-              </p:prevCondLst>
-              <p:nextCondLst>
-                <p:cond evt="onNext" delay="0">
-                  <p:tgtEl>
-                    <p:sldTgt/>
-                  </p:tgtEl>
-                </p:cond>
-              </p:nextCondLst>
-            </p:seq>
-          </p:childTnLst>
-        </p:cTn>
+        <p:cTn id="1" dur="indefinite" restart="never" nodeType="tmRoot"/>
       </p:par>
     </p:tnLst>
-    <p:bldLst>
-      <p:bldP spid="2" grpId="0"/>
-    </p:bldLst>
   </p:timing>
 </p:sld>
 </file>
@@ -17218,88 +15660,9 @@
   <p:timing>
     <p:tnLst>
       <p:par>
-        <p:cTn id="1" dur="indefinite" restart="never" nodeType="tmRoot">
-          <p:childTnLst>
-            <p:seq concurrent="1" nextAc="seek">
-              <p:cTn id="2" dur="indefinite" nodeType="mainSeq">
-                <p:childTnLst>
-                  <p:par>
-                    <p:cTn id="3" fill="hold">
-                      <p:stCondLst>
-                        <p:cond delay="indefinite"/>
-                      </p:stCondLst>
-                      <p:childTnLst>
-                        <p:par>
-                          <p:cTn id="4" fill="hold">
-                            <p:stCondLst>
-                              <p:cond delay="0"/>
-                            </p:stCondLst>
-                            <p:childTnLst>
-                              <p:par>
-                                <p:cTn id="5" presetID="22" presetClass="entr" presetSubtype="4" fill="hold" grpId="0" nodeType="clickEffect">
-                                  <p:stCondLst>
-                                    <p:cond delay="0"/>
-                                  </p:stCondLst>
-                                  <p:childTnLst>
-                                    <p:set>
-                                      <p:cBhvr>
-                                        <p:cTn id="6" dur="1" fill="hold">
-                                          <p:stCondLst>
-                                            <p:cond delay="0"/>
-                                          </p:stCondLst>
-                                        </p:cTn>
-                                        <p:tgtEl>
-                                          <p:spTgt spid="2"/>
-                                        </p:tgtEl>
-                                        <p:attrNameLst>
-                                          <p:attrName>style.visibility</p:attrName>
-                                        </p:attrNameLst>
-                                      </p:cBhvr>
-                                      <p:to>
-                                        <p:strVal val="visible"/>
-                                      </p:to>
-                                    </p:set>
-                                    <p:animEffect transition="in" filter="wipe(down)">
-                                      <p:cBhvr>
-                                        <p:cTn id="7" dur="500"/>
-                                        <p:tgtEl>
-                                          <p:spTgt spid="2"/>
-                                        </p:tgtEl>
-                                      </p:cBhvr>
-                                    </p:animEffect>
-                                  </p:childTnLst>
-                                </p:cTn>
-                              </p:par>
-                            </p:childTnLst>
-                          </p:cTn>
-                        </p:par>
-                      </p:childTnLst>
-                    </p:cTn>
-                  </p:par>
-                </p:childTnLst>
-              </p:cTn>
-              <p:prevCondLst>
-                <p:cond evt="onPrev" delay="0">
-                  <p:tgtEl>
-                    <p:sldTgt/>
-                  </p:tgtEl>
-                </p:cond>
-              </p:prevCondLst>
-              <p:nextCondLst>
-                <p:cond evt="onNext" delay="0">
-                  <p:tgtEl>
-                    <p:sldTgt/>
-                  </p:tgtEl>
-                </p:cond>
-              </p:nextCondLst>
-            </p:seq>
-          </p:childTnLst>
-        </p:cTn>
+        <p:cTn id="1" dur="indefinite" restart="never" nodeType="tmRoot"/>
       </p:par>
     </p:tnLst>
-    <p:bldLst>
-      <p:bldP spid="2" grpId="0"/>
-    </p:bldLst>
   </p:timing>
 </p:sld>
 </file>
@@ -17378,103 +15741,37 @@
           <a:lstStyle/>
           <a:p>
             <a:r>
-              <a:rPr lang="ru-RU" dirty="0" smtClean="0">
+              <a:rPr lang="ru-RU" sz="2400" dirty="0" smtClean="0">
                 <a:latin typeface="Verdana" panose="020B0604030504040204" pitchFamily="34" charset="0"/>
                 <a:ea typeface="Verdana" panose="020B0604030504040204" pitchFamily="34" charset="0"/>
               </a:rPr>
-              <a:t>Несмотря на свои безусловные преимущества в плане производительности, </a:t>
+              <a:t>Добавить новые локации, персонажей, сюжетные ветки</a:t>
             </a:r>
+          </a:p>
+          <a:p>
             <a:r>
-              <a:rPr lang="en-US" dirty="0" err="1" smtClean="0">
+              <a:rPr lang="ru-RU" sz="2400" dirty="0" smtClean="0">
                 <a:latin typeface="Verdana" panose="020B0604030504040204" pitchFamily="34" charset="0"/>
                 <a:ea typeface="Verdana" panose="020B0604030504040204" pitchFamily="34" charset="0"/>
               </a:rPr>
-              <a:t>libGDX</a:t>
+              <a:t>Переписать проект на </a:t>
             </a:r>
             <a:r>
-              <a:rPr lang="en-US" dirty="0" smtClean="0">
-                <a:latin typeface="Verdana" panose="020B0604030504040204" pitchFamily="34" charset="0"/>
-                <a:ea typeface="Verdana" panose="020B0604030504040204" pitchFamily="34" charset="0"/>
-              </a:rPr>
-              <a:t> </a:t>
-            </a:r>
-            <a:r>
-              <a:rPr lang="ru-RU" dirty="0" smtClean="0">
-                <a:latin typeface="Verdana" panose="020B0604030504040204" pitchFamily="34" charset="0"/>
-                <a:ea typeface="Verdana" panose="020B0604030504040204" pitchFamily="34" charset="0"/>
-              </a:rPr>
-              <a:t>как игровой </a:t>
-            </a:r>
-            <a:r>
-              <a:rPr lang="ru-RU" dirty="0" err="1" smtClean="0">
-                <a:latin typeface="Verdana" panose="020B0604030504040204" pitchFamily="34" charset="0"/>
-                <a:ea typeface="Verdana" panose="020B0604030504040204" pitchFamily="34" charset="0"/>
-              </a:rPr>
-              <a:t>фреймворк</a:t>
-            </a:r>
-            <a:r>
-              <a:rPr lang="ru-RU" dirty="0" smtClean="0">
-                <a:latin typeface="Verdana" panose="020B0604030504040204" pitchFamily="34" charset="0"/>
-                <a:ea typeface="Verdana" panose="020B0604030504040204" pitchFamily="34" charset="0"/>
-              </a:rPr>
-              <a:t> уступает в плане функциональности и </a:t>
-            </a:r>
-            <a:r>
-              <a:rPr lang="ru-RU" dirty="0" err="1" smtClean="0">
-                <a:latin typeface="Verdana" panose="020B0604030504040204" pitchFamily="34" charset="0"/>
-                <a:ea typeface="Verdana" panose="020B0604030504040204" pitchFamily="34" charset="0"/>
-              </a:rPr>
-              <a:t>портируемости</a:t>
-            </a:r>
-            <a:r>
-              <a:rPr lang="ru-RU" dirty="0" smtClean="0">
-                <a:latin typeface="Verdana" panose="020B0604030504040204" pitchFamily="34" charset="0"/>
-                <a:ea typeface="Verdana" panose="020B0604030504040204" pitchFamily="34" charset="0"/>
-              </a:rPr>
-              <a:t> популярным игровым движкам. Перспективой развития является перенос проекта на движок </a:t>
-            </a:r>
-            <a:r>
-              <a:rPr lang="en-US" dirty="0" smtClean="0">
+              <a:rPr lang="en-US" sz="2400" dirty="0" smtClean="0">
                 <a:latin typeface="Verdana" panose="020B0604030504040204" pitchFamily="34" charset="0"/>
                 <a:ea typeface="Verdana" panose="020B0604030504040204" pitchFamily="34" charset="0"/>
               </a:rPr>
               <a:t>Unity3D</a:t>
             </a:r>
-            <a:r>
-              <a:rPr lang="ru-RU" dirty="0" smtClean="0">
-                <a:latin typeface="Verdana" panose="020B0604030504040204" pitchFamily="34" charset="0"/>
-                <a:ea typeface="Verdana" panose="020B0604030504040204" pitchFamily="34" charset="0"/>
-              </a:rPr>
-              <a:t> или </a:t>
-            </a:r>
-            <a:r>
-              <a:rPr lang="en-US" smtClean="0">
-                <a:latin typeface="Verdana" panose="020B0604030504040204" pitchFamily="34" charset="0"/>
-                <a:ea typeface="Verdana" panose="020B0604030504040204" pitchFamily="34" charset="0"/>
-              </a:rPr>
-              <a:t>Unreal Engine</a:t>
-            </a:r>
-            <a:r>
-              <a:rPr lang="ru-RU" dirty="0" smtClean="0">
-                <a:latin typeface="Verdana" panose="020B0604030504040204" pitchFamily="34" charset="0"/>
-                <a:ea typeface="Verdana" panose="020B0604030504040204" pitchFamily="34" charset="0"/>
-              </a:rPr>
-              <a:t>. Однако, данное усовершенствование выходит за рамки программы обучения Академии </a:t>
-            </a:r>
-            <a:r>
-              <a:rPr lang="en-US" dirty="0" smtClean="0">
-                <a:latin typeface="Verdana" panose="020B0604030504040204" pitchFamily="34" charset="0"/>
-                <a:ea typeface="Verdana" panose="020B0604030504040204" pitchFamily="34" charset="0"/>
-              </a:rPr>
-              <a:t>Samsung</a:t>
-            </a:r>
-            <a:r>
-              <a:rPr lang="ru-RU" dirty="0" smtClean="0">
-                <a:latin typeface="Verdana" panose="020B0604030504040204" pitchFamily="34" charset="0"/>
-                <a:ea typeface="Verdana" panose="020B0604030504040204" pitchFamily="34" charset="0"/>
-              </a:rPr>
-              <a:t>.</a:t>
-            </a:r>
+          </a:p>
+          <a:p>
+            <a:pPr marL="0" indent="0">
+              <a:buNone/>
+            </a:pPr>
+            <a:endParaRPr lang="ru-RU" dirty="0" smtClean="0">
+              <a:latin typeface="Verdana" panose="020B0604030504040204" pitchFamily="34" charset="0"/>
+              <a:ea typeface="Verdana" panose="020B0604030504040204" pitchFamily="34" charset="0"/>
+            </a:endParaRPr>
           </a:p>
           <a:p>
             <a:endParaRPr lang="ru-RU" dirty="0">
@@ -17509,257 +15806,9 @@
   <p:timing>
     <p:tnLst>
       <p:par>
-        <p:cTn id="1" dur="indefinite" restart="never" nodeType="tmRoot">
-          <p:childTnLst>
-            <p:seq concurrent="1" nextAc="seek">
-              <p:cTn id="2" dur="indefinite" nodeType="mainSeq">
-                <p:childTnLst>
-                  <p:par>
-                    <p:cTn id="3" fill="hold">
-                      <p:stCondLst>
-                        <p:cond delay="indefinite"/>
-                      </p:stCondLst>
-                      <p:childTnLst>
-                        <p:par>
-                          <p:cTn id="4" fill="hold">
-                            <p:stCondLst>
-                              <p:cond delay="0"/>
-                            </p:stCondLst>
-                            <p:childTnLst>
-                              <p:par>
-                                <p:cTn id="5" presetID="22" presetClass="entr" presetSubtype="4" fill="hold" grpId="0" nodeType="clickEffect">
-                                  <p:stCondLst>
-                                    <p:cond delay="0"/>
-                                  </p:stCondLst>
-                                  <p:childTnLst>
-                                    <p:set>
-                                      <p:cBhvr>
-                                        <p:cTn id="6" dur="1" fill="hold">
-                                          <p:stCondLst>
-                                            <p:cond delay="0"/>
-                                          </p:stCondLst>
-                                        </p:cTn>
-                                        <p:tgtEl>
-                                          <p:spTgt spid="2"/>
-                                        </p:tgtEl>
-                                        <p:attrNameLst>
-                                          <p:attrName>style.visibility</p:attrName>
-                                        </p:attrNameLst>
-                                      </p:cBhvr>
-                                      <p:to>
-                                        <p:strVal val="visible"/>
-                                      </p:to>
-                                    </p:set>
-                                    <p:animEffect transition="in" filter="wipe(down)">
-                                      <p:cBhvr>
-                                        <p:cTn id="7" dur="500"/>
-                                        <p:tgtEl>
-                                          <p:spTgt spid="2"/>
-                                        </p:tgtEl>
-                                      </p:cBhvr>
-                                    </p:animEffect>
-                                  </p:childTnLst>
-                                </p:cTn>
-                              </p:par>
-                            </p:childTnLst>
-                          </p:cTn>
-                        </p:par>
-                      </p:childTnLst>
-                    </p:cTn>
-                  </p:par>
-                </p:childTnLst>
-              </p:cTn>
-              <p:prevCondLst>
-                <p:cond evt="onPrev" delay="0">
-                  <p:tgtEl>
-                    <p:sldTgt/>
-                  </p:tgtEl>
-                </p:cond>
-              </p:prevCondLst>
-              <p:nextCondLst>
-                <p:cond evt="onNext" delay="0">
-                  <p:tgtEl>
-                    <p:sldTgt/>
-                  </p:tgtEl>
-                </p:cond>
-              </p:nextCondLst>
-            </p:seq>
-          </p:childTnLst>
-        </p:cTn>
+        <p:cTn id="1" dur="indefinite" restart="never" nodeType="tmRoot"/>
       </p:par>
     </p:tnLst>
-    <p:bldLst>
-      <p:bldP spid="2" grpId="0"/>
-    </p:bldLst>
-  </p:timing>
-</p:sld>
-</file>
-
-<file path=ppt/slides/slide9.xml><?xml version="1.0" encoding="utf-8"?>
-<p:sld xmlns:a="http://schemas.openxmlformats.org/drawingml/2006/main" xmlns:r="http://schemas.openxmlformats.org/officeDocument/2006/relationships" xmlns:p="http://schemas.openxmlformats.org/presentationml/2006/main">
-  <p:cSld>
-    <p:spTree>
-      <p:nvGrpSpPr>
-        <p:cNvPr id="1" name=""/>
-        <p:cNvGrpSpPr/>
-        <p:nvPr/>
-      </p:nvGrpSpPr>
-      <p:grpSpPr>
-        <a:xfrm>
-          <a:off x="0" y="0"/>
-          <a:ext cx="0" cy="0"/>
-          <a:chOff x="0" y="0"/>
-          <a:chExt cx="0" cy="0"/>
-        </a:xfrm>
-      </p:grpSpPr>
-      <p:sp>
-        <p:nvSpPr>
-          <p:cNvPr id="4" name="Заголовок 3"/>
-          <p:cNvSpPr>
-            <a:spLocks noGrp="1"/>
-          </p:cNvSpPr>
-          <p:nvPr>
-            <p:ph type="ctrTitle"/>
-          </p:nvPr>
-        </p:nvSpPr>
-        <p:spPr>
-          <a:xfrm>
-            <a:off x="1707405" y="1252008"/>
-            <a:ext cx="8825658" cy="2677648"/>
-          </a:xfrm>
-        </p:spPr>
-        <p:txBody>
-          <a:bodyPr/>
-          <a:lstStyle/>
-          <a:p>
-            <a:pPr algn="ctr"/>
-            <a:r>
-              <a:rPr lang="ru-RU" dirty="0" smtClean="0">
-                <a:solidFill>
-                  <a:schemeClr val="bg1"/>
-                </a:solidFill>
-                <a:latin typeface="Verdana" panose="020B0604030504040204" pitchFamily="34" charset="0"/>
-                <a:ea typeface="Verdana" panose="020B0604030504040204" pitchFamily="34" charset="0"/>
-              </a:rPr>
-              <a:t>Спасибо за внимание!</a:t>
-            </a:r>
-            <a:endParaRPr lang="ru-RU" dirty="0">
-              <a:solidFill>
-                <a:schemeClr val="bg1"/>
-              </a:solidFill>
-              <a:latin typeface="Verdana" panose="020B0604030504040204" pitchFamily="34" charset="0"/>
-              <a:ea typeface="Verdana" panose="020B0604030504040204" pitchFamily="34" charset="0"/>
-            </a:endParaRPr>
-          </a:p>
-        </p:txBody>
-      </p:sp>
-    </p:spTree>
-    <p:extLst>
-      <p:ext uri="{BB962C8B-B14F-4D97-AF65-F5344CB8AC3E}">
-        <p14:creationId xmlns:p14="http://schemas.microsoft.com/office/powerpoint/2010/main" val="3887010263"/>
-      </p:ext>
-    </p:extLst>
-  </p:cSld>
-  <p:clrMapOvr>
-    <a:masterClrMapping/>
-  </p:clrMapOvr>
-  <mc:AlternateContent xmlns:mc="http://schemas.openxmlformats.org/markup-compatibility/2006" xmlns:p15="http://schemas.microsoft.com/office/powerpoint/2012/main">
-    <mc:Choice Requires="p15">
-      <p:transition xmlns:p14="http://schemas.microsoft.com/office/powerpoint/2010/main" spd="slow" p14:dur="1250">
-        <p15:prstTrans prst="pageCurlDouble"/>
-      </p:transition>
-    </mc:Choice>
-    <mc:Fallback xmlns="">
-      <p:transition spd="slow">
-        <p:fade/>
-      </p:transition>
-    </mc:Fallback>
-  </mc:AlternateContent>
-  <p:timing>
-    <p:tnLst>
-      <p:par>
-        <p:cTn id="1" dur="indefinite" restart="never" nodeType="tmRoot">
-          <p:childTnLst>
-            <p:seq concurrent="1" nextAc="seek">
-              <p:cTn id="2" dur="indefinite" nodeType="mainSeq">
-                <p:childTnLst>
-                  <p:par>
-                    <p:cTn id="3" fill="hold">
-                      <p:stCondLst>
-                        <p:cond delay="indefinite"/>
-                      </p:stCondLst>
-                      <p:childTnLst>
-                        <p:par>
-                          <p:cTn id="4" fill="hold">
-                            <p:stCondLst>
-                              <p:cond delay="0"/>
-                            </p:stCondLst>
-                            <p:childTnLst>
-                              <p:par>
-                                <p:cTn id="5" presetID="22" presetClass="entr" presetSubtype="4" fill="hold" grpId="0" nodeType="clickEffect">
-                                  <p:stCondLst>
-                                    <p:cond delay="0"/>
-                                  </p:stCondLst>
-                                  <p:childTnLst>
-                                    <p:set>
-                                      <p:cBhvr>
-                                        <p:cTn id="6" dur="1" fill="hold">
-                                          <p:stCondLst>
-                                            <p:cond delay="0"/>
-                                          </p:stCondLst>
-                                        </p:cTn>
-                                        <p:tgtEl>
-                                          <p:spTgt spid="4"/>
-                                        </p:tgtEl>
-                                        <p:attrNameLst>
-                                          <p:attrName>style.visibility</p:attrName>
-                                        </p:attrNameLst>
-                                      </p:cBhvr>
-                                      <p:to>
-                                        <p:strVal val="visible"/>
-                                      </p:to>
-                                    </p:set>
-                                    <p:animEffect transition="in" filter="wipe(down)">
-                                      <p:cBhvr>
-                                        <p:cTn id="7" dur="500"/>
-                                        <p:tgtEl>
-                                          <p:spTgt spid="4"/>
-                                        </p:tgtEl>
-                                      </p:cBhvr>
-                                    </p:animEffect>
-                                  </p:childTnLst>
-                                </p:cTn>
-                              </p:par>
-                            </p:childTnLst>
-                          </p:cTn>
-                        </p:par>
-                      </p:childTnLst>
-                    </p:cTn>
-                  </p:par>
-                </p:childTnLst>
-              </p:cTn>
-              <p:prevCondLst>
-                <p:cond evt="onPrev" delay="0">
-                  <p:tgtEl>
-                    <p:sldTgt/>
-                  </p:tgtEl>
-                </p:cond>
-              </p:prevCondLst>
-              <p:nextCondLst>
-                <p:cond evt="onNext" delay="0">
-                  <p:tgtEl>
-                    <p:sldTgt/>
-                  </p:tgtEl>
-                </p:cond>
-              </p:nextCondLst>
-            </p:seq>
-          </p:childTnLst>
-        </p:cTn>
-      </p:par>
-    </p:tnLst>
-    <p:bldLst>
-      <p:bldP spid="4" grpId="0"/>
-    </p:bldLst>
   </p:timing>
 </p:sld>
 </file>
